--- a/make_presentation/templates/templates/classic/_33.pptx
+++ b/make_presentation/templates/templates/classic/_33.pptx
@@ -324,7 +324,7 @@
             <a:pPr algn="r">
               <a:buNone/>
             </a:pPr>
-            <a:fld id="{2096C41F-4FD9-4520-88F2-E17D20B3EE8F}" type="slidenum">
+            <a:fld id="{9C0BFB69-09B8-4C4C-AF8F-78943BB11896}" type="slidenum">
               <a:rPr b="0" lang="en-US" sz="1400" spc="-1" strike="noStrike">
                 <a:latin typeface="Times New Roman"/>
               </a:rPr>
@@ -372,7 +372,7 @@
         <p:spPr>
           <a:xfrm>
             <a:off x="380880" y="685800"/>
-            <a:ext cx="6091200" cy="3424320"/>
+            <a:ext cx="6090840" cy="3423960"/>
           </a:xfrm>
           <a:prstGeom prst="rect">
             <a:avLst/>
@@ -395,7 +395,7 @@
         <p:spPr>
           <a:xfrm>
             <a:off x="685800" y="4343400"/>
-            <a:ext cx="5481720" cy="4110120"/>
+            <a:ext cx="5481360" cy="4109760"/>
           </a:xfrm>
           <a:prstGeom prst="rect">
             <a:avLst/>
@@ -429,7 +429,7 @@
         <p:spPr>
           <a:xfrm>
             <a:off x="3884760" y="8685360"/>
-            <a:ext cx="2967120" cy="452520"/>
+            <a:ext cx="2966760" cy="452160"/>
           </a:xfrm>
           <a:prstGeom prst="rect">
             <a:avLst/>
@@ -465,7 +465,7 @@
               </a:lnSpc>
               <a:buNone/>
             </a:pPr>
-            <a:fld id="{DB7EA0B6-07C4-4DCA-A3E4-417509A59C0A}" type="slidenum">
+            <a:fld id="{F62F715B-67B2-4EE1-8306-D20AF3765AEF}" type="slidenum">
               <a:rPr b="0" lang="en-US" sz="1200" spc="-1" strike="noStrike">
                 <a:solidFill>
                   <a:srgbClr val="000000"/>
@@ -516,7 +516,7 @@
         <p:spPr>
           <a:xfrm>
             <a:off x="380880" y="685800"/>
-            <a:ext cx="6091200" cy="3424320"/>
+            <a:ext cx="6090840" cy="3423960"/>
           </a:xfrm>
           <a:prstGeom prst="rect">
             <a:avLst/>
@@ -539,7 +539,7 @@
         <p:spPr>
           <a:xfrm>
             <a:off x="685800" y="4343400"/>
-            <a:ext cx="5481720" cy="4110120"/>
+            <a:ext cx="5481360" cy="4109760"/>
           </a:xfrm>
           <a:prstGeom prst="rect">
             <a:avLst/>
@@ -573,7 +573,7 @@
         <p:spPr>
           <a:xfrm>
             <a:off x="3884760" y="8685360"/>
-            <a:ext cx="2967120" cy="452520"/>
+            <a:ext cx="2966760" cy="452160"/>
           </a:xfrm>
           <a:prstGeom prst="rect">
             <a:avLst/>
@@ -609,7 +609,7 @@
               </a:lnSpc>
               <a:buNone/>
             </a:pPr>
-            <a:fld id="{1D8D79AE-3DC6-4413-A1C8-ADFAD2EDE4FC}" type="slidenum">
+            <a:fld id="{00BD2690-B96D-4578-A800-58E490BA36FA}" type="slidenum">
               <a:rPr b="0" lang="en-US" sz="1200" spc="-1" strike="noStrike">
                 <a:solidFill>
                   <a:srgbClr val="000000"/>
@@ -660,7 +660,7 @@
         <p:spPr>
           <a:xfrm>
             <a:off x="380880" y="685800"/>
-            <a:ext cx="6091200" cy="3424320"/>
+            <a:ext cx="6090840" cy="3423960"/>
           </a:xfrm>
           <a:prstGeom prst="rect">
             <a:avLst/>
@@ -683,7 +683,7 @@
         <p:spPr>
           <a:xfrm>
             <a:off x="685800" y="4343400"/>
-            <a:ext cx="5481720" cy="4110120"/>
+            <a:ext cx="5481360" cy="4109760"/>
           </a:xfrm>
           <a:prstGeom prst="rect">
             <a:avLst/>
@@ -717,7 +717,7 @@
         <p:spPr>
           <a:xfrm>
             <a:off x="3884760" y="8685360"/>
-            <a:ext cx="2967120" cy="452520"/>
+            <a:ext cx="2966760" cy="452160"/>
           </a:xfrm>
           <a:prstGeom prst="rect">
             <a:avLst/>
@@ -753,7 +753,7 @@
               </a:lnSpc>
               <a:buNone/>
             </a:pPr>
-            <a:fld id="{9D2047C1-591E-4545-B74E-4DD271CA958D}" type="slidenum">
+            <a:fld id="{B68B9A10-D62B-49F0-B66F-1372F7531560}" type="slidenum">
               <a:rPr b="0" lang="en-US" sz="1200" spc="-1" strike="noStrike">
                 <a:solidFill>
                   <a:srgbClr val="000000"/>
@@ -804,7 +804,7 @@
         <p:spPr>
           <a:xfrm>
             <a:off x="380880" y="685800"/>
-            <a:ext cx="6091200" cy="3424320"/>
+            <a:ext cx="6090840" cy="3423960"/>
           </a:xfrm>
           <a:prstGeom prst="rect">
             <a:avLst/>
@@ -827,7 +827,7 @@
         <p:spPr>
           <a:xfrm>
             <a:off x="685800" y="4343400"/>
-            <a:ext cx="5481720" cy="4110120"/>
+            <a:ext cx="5481360" cy="4109760"/>
           </a:xfrm>
           <a:prstGeom prst="rect">
             <a:avLst/>
@@ -861,7 +861,7 @@
         <p:spPr>
           <a:xfrm>
             <a:off x="3884760" y="8685360"/>
-            <a:ext cx="2967120" cy="452520"/>
+            <a:ext cx="2966760" cy="452160"/>
           </a:xfrm>
           <a:prstGeom prst="rect">
             <a:avLst/>
@@ -897,7 +897,7 @@
               </a:lnSpc>
               <a:buNone/>
             </a:pPr>
-            <a:fld id="{B6BC6C6E-3EF4-4449-8260-DBF26905874A}" type="slidenum">
+            <a:fld id="{65CEB99B-152C-44CB-A26A-5BF7727B5985}" type="slidenum">
               <a:rPr b="0" lang="en-US" sz="1200" spc="-1" strike="noStrike">
                 <a:solidFill>
                   <a:srgbClr val="000000"/>
@@ -948,7 +948,7 @@
         <p:spPr>
           <a:xfrm>
             <a:off x="380880" y="685800"/>
-            <a:ext cx="6091200" cy="3424320"/>
+            <a:ext cx="6090840" cy="3423960"/>
           </a:xfrm>
           <a:prstGeom prst="rect">
             <a:avLst/>
@@ -971,7 +971,7 @@
         <p:spPr>
           <a:xfrm>
             <a:off x="685800" y="4343400"/>
-            <a:ext cx="5481720" cy="4110120"/>
+            <a:ext cx="5481360" cy="4109760"/>
           </a:xfrm>
           <a:prstGeom prst="rect">
             <a:avLst/>
@@ -1005,7 +1005,7 @@
         <p:spPr>
           <a:xfrm>
             <a:off x="3884760" y="8685360"/>
-            <a:ext cx="2967120" cy="452520"/>
+            <a:ext cx="2966760" cy="452160"/>
           </a:xfrm>
           <a:prstGeom prst="rect">
             <a:avLst/>
@@ -1041,7 +1041,7 @@
               </a:lnSpc>
               <a:buNone/>
             </a:pPr>
-            <a:fld id="{33C32B19-C35D-4D0B-8936-452B291F372D}" type="slidenum">
+            <a:fld id="{79EFFC3A-56AA-4BD1-AD06-56C372CF3895}" type="slidenum">
               <a:rPr b="0" lang="en-US" sz="1200" spc="-1" strike="noStrike">
                 <a:solidFill>
                   <a:srgbClr val="000000"/>
@@ -1092,7 +1092,7 @@
         <p:spPr>
           <a:xfrm>
             <a:off x="380880" y="685800"/>
-            <a:ext cx="6091200" cy="3424320"/>
+            <a:ext cx="6090840" cy="3423960"/>
           </a:xfrm>
           <a:prstGeom prst="rect">
             <a:avLst/>
@@ -1115,7 +1115,7 @@
         <p:spPr>
           <a:xfrm>
             <a:off x="685800" y="4343400"/>
-            <a:ext cx="5481720" cy="4110120"/>
+            <a:ext cx="5481360" cy="4109760"/>
           </a:xfrm>
           <a:prstGeom prst="rect">
             <a:avLst/>
@@ -1149,7 +1149,7 @@
         <p:spPr>
           <a:xfrm>
             <a:off x="3884760" y="8685360"/>
-            <a:ext cx="2967120" cy="452520"/>
+            <a:ext cx="2966760" cy="452160"/>
           </a:xfrm>
           <a:prstGeom prst="rect">
             <a:avLst/>
@@ -1185,7 +1185,7 @@
               </a:lnSpc>
               <a:buNone/>
             </a:pPr>
-            <a:fld id="{9034499F-B770-468C-A395-2BCBE43019BC}" type="slidenum">
+            <a:fld id="{E20A5B3C-BB7B-4BB0-B604-4D4C114A104A}" type="slidenum">
               <a:rPr b="0" lang="en-US" sz="1200" spc="-1" strike="noStrike">
                 <a:solidFill>
                   <a:srgbClr val="000000"/>
@@ -1236,7 +1236,7 @@
         <p:spPr>
           <a:xfrm>
             <a:off x="380880" y="685800"/>
-            <a:ext cx="6091200" cy="3424320"/>
+            <a:ext cx="6090840" cy="3423960"/>
           </a:xfrm>
           <a:prstGeom prst="rect">
             <a:avLst/>
@@ -1259,7 +1259,7 @@
         <p:spPr>
           <a:xfrm>
             <a:off x="685800" y="4343400"/>
-            <a:ext cx="5481720" cy="4110120"/>
+            <a:ext cx="5481360" cy="4109760"/>
           </a:xfrm>
           <a:prstGeom prst="rect">
             <a:avLst/>
@@ -1293,7 +1293,7 @@
         <p:spPr>
           <a:xfrm>
             <a:off x="3884760" y="8685360"/>
-            <a:ext cx="2967120" cy="452520"/>
+            <a:ext cx="2966760" cy="452160"/>
           </a:xfrm>
           <a:prstGeom prst="rect">
             <a:avLst/>
@@ -1329,7 +1329,7 @@
               </a:lnSpc>
               <a:buNone/>
             </a:pPr>
-            <a:fld id="{5427FDEC-1DB9-4BC8-9D2A-538F32D8E0BF}" type="slidenum">
+            <a:fld id="{F8A1317E-5E78-4227-98F0-BC2DAE978371}" type="slidenum">
               <a:rPr b="0" lang="en-US" sz="1200" spc="-1" strike="noStrike">
                 <a:solidFill>
                   <a:srgbClr val="000000"/>
@@ -1380,7 +1380,7 @@
         <p:spPr>
           <a:xfrm>
             <a:off x="380880" y="685800"/>
-            <a:ext cx="6091200" cy="3424320"/>
+            <a:ext cx="6090840" cy="3423960"/>
           </a:xfrm>
           <a:prstGeom prst="rect">
             <a:avLst/>
@@ -1403,7 +1403,7 @@
         <p:spPr>
           <a:xfrm>
             <a:off x="685800" y="4343400"/>
-            <a:ext cx="5481720" cy="4110120"/>
+            <a:ext cx="5481360" cy="4109760"/>
           </a:xfrm>
           <a:prstGeom prst="rect">
             <a:avLst/>
@@ -1437,7 +1437,7 @@
         <p:spPr>
           <a:xfrm>
             <a:off x="3884760" y="8685360"/>
-            <a:ext cx="2967120" cy="452520"/>
+            <a:ext cx="2966760" cy="452160"/>
           </a:xfrm>
           <a:prstGeom prst="rect">
             <a:avLst/>
@@ -1473,7 +1473,7 @@
               </a:lnSpc>
               <a:buNone/>
             </a:pPr>
-            <a:fld id="{2D1A606B-66D8-49FF-A534-3D7C42F8D0F6}" type="slidenum">
+            <a:fld id="{A531E414-A30F-4397-BEF8-72C31721CDCC}" type="slidenum">
               <a:rPr b="0" lang="en-US" sz="1200" spc="-1" strike="noStrike">
                 <a:solidFill>
                   <a:srgbClr val="000000"/>
@@ -1524,7 +1524,7 @@
         <p:spPr>
           <a:xfrm>
             <a:off x="380880" y="685800"/>
-            <a:ext cx="6091200" cy="3424320"/>
+            <a:ext cx="6090840" cy="3423960"/>
           </a:xfrm>
           <a:prstGeom prst="rect">
             <a:avLst/>
@@ -1547,7 +1547,7 @@
         <p:spPr>
           <a:xfrm>
             <a:off x="685800" y="4343400"/>
-            <a:ext cx="5481720" cy="4110120"/>
+            <a:ext cx="5481360" cy="4109760"/>
           </a:xfrm>
           <a:prstGeom prst="rect">
             <a:avLst/>
@@ -1581,7 +1581,7 @@
         <p:spPr>
           <a:xfrm>
             <a:off x="3884760" y="8685360"/>
-            <a:ext cx="2967120" cy="452520"/>
+            <a:ext cx="2966760" cy="452160"/>
           </a:xfrm>
           <a:prstGeom prst="rect">
             <a:avLst/>
@@ -1617,7 +1617,7 @@
               </a:lnSpc>
               <a:buNone/>
             </a:pPr>
-            <a:fld id="{BEBC345B-801A-4313-99E2-CB6AC9437B94}" type="slidenum">
+            <a:fld id="{B4097629-2662-453A-BC4E-4BE13B05DF97}" type="slidenum">
               <a:rPr b="0" lang="en-US" sz="1200" spc="-1" strike="noStrike">
                 <a:solidFill>
                   <a:srgbClr val="000000"/>
@@ -1668,7 +1668,7 @@
         <p:spPr>
           <a:xfrm>
             <a:off x="380880" y="685800"/>
-            <a:ext cx="6091200" cy="3424320"/>
+            <a:ext cx="6090840" cy="3423960"/>
           </a:xfrm>
           <a:prstGeom prst="rect">
             <a:avLst/>
@@ -1691,7 +1691,7 @@
         <p:spPr>
           <a:xfrm>
             <a:off x="685800" y="4343400"/>
-            <a:ext cx="5481720" cy="4110120"/>
+            <a:ext cx="5481360" cy="4109760"/>
           </a:xfrm>
           <a:prstGeom prst="rect">
             <a:avLst/>
@@ -1725,7 +1725,7 @@
         <p:spPr>
           <a:xfrm>
             <a:off x="3884760" y="8685360"/>
-            <a:ext cx="2967120" cy="452520"/>
+            <a:ext cx="2966760" cy="452160"/>
           </a:xfrm>
           <a:prstGeom prst="rect">
             <a:avLst/>
@@ -1761,7 +1761,7 @@
               </a:lnSpc>
               <a:buNone/>
             </a:pPr>
-            <a:fld id="{96A7F4BB-C6C5-426B-8DCE-80012E625B31}" type="slidenum">
+            <a:fld id="{14F81BF5-07D5-49C2-90A9-F322DAAC17C1}" type="slidenum">
               <a:rPr b="0" lang="en-US" sz="1200" spc="-1" strike="noStrike">
                 <a:solidFill>
                   <a:srgbClr val="000000"/>
@@ -1812,7 +1812,7 @@
         <p:spPr>
           <a:xfrm>
             <a:off x="380880" y="685800"/>
-            <a:ext cx="6091200" cy="3424320"/>
+            <a:ext cx="6090840" cy="3423960"/>
           </a:xfrm>
           <a:prstGeom prst="rect">
             <a:avLst/>
@@ -1835,7 +1835,7 @@
         <p:spPr>
           <a:xfrm>
             <a:off x="685800" y="4343400"/>
-            <a:ext cx="5481720" cy="4110120"/>
+            <a:ext cx="5481360" cy="4109760"/>
           </a:xfrm>
           <a:prstGeom prst="rect">
             <a:avLst/>
@@ -1869,7 +1869,7 @@
         <p:spPr>
           <a:xfrm>
             <a:off x="3884760" y="8685360"/>
-            <a:ext cx="2967120" cy="452520"/>
+            <a:ext cx="2966760" cy="452160"/>
           </a:xfrm>
           <a:prstGeom prst="rect">
             <a:avLst/>
@@ -1905,7 +1905,7 @@
               </a:lnSpc>
               <a:buNone/>
             </a:pPr>
-            <a:fld id="{6479A890-7B34-4968-B0A6-79147F8D4E0A}" type="slidenum">
+            <a:fld id="{CA647083-FF39-4060-B721-406ADBA56192}" type="slidenum">
               <a:rPr b="0" lang="en-US" sz="1200" spc="-1" strike="noStrike">
                 <a:solidFill>
                   <a:srgbClr val="000000"/>
@@ -1956,7 +1956,7 @@
         <p:spPr>
           <a:xfrm>
             <a:off x="380880" y="685800"/>
-            <a:ext cx="6091200" cy="3424320"/>
+            <a:ext cx="6090840" cy="3423960"/>
           </a:xfrm>
           <a:prstGeom prst="rect">
             <a:avLst/>
@@ -1979,7 +1979,7 @@
         <p:spPr>
           <a:xfrm>
             <a:off x="685800" y="4343400"/>
-            <a:ext cx="5481720" cy="4110120"/>
+            <a:ext cx="5481360" cy="4109760"/>
           </a:xfrm>
           <a:prstGeom prst="rect">
             <a:avLst/>
@@ -2013,7 +2013,7 @@
         <p:spPr>
           <a:xfrm>
             <a:off x="3884760" y="8685360"/>
-            <a:ext cx="2967120" cy="452520"/>
+            <a:ext cx="2966760" cy="452160"/>
           </a:xfrm>
           <a:prstGeom prst="rect">
             <a:avLst/>
@@ -2049,7 +2049,7 @@
               </a:lnSpc>
               <a:buNone/>
             </a:pPr>
-            <a:fld id="{6157FDC8-E913-4AC9-A194-3C29F203EFEE}" type="slidenum">
+            <a:fld id="{D75ADB40-DBD2-4801-9935-2C6CE55C1B08}" type="slidenum">
               <a:rPr b="0" lang="en-US" sz="1200" spc="-1" strike="noStrike">
                 <a:solidFill>
                   <a:srgbClr val="000000"/>
@@ -2100,7 +2100,7 @@
         <p:spPr>
           <a:xfrm>
             <a:off x="380880" y="685800"/>
-            <a:ext cx="6091200" cy="3424320"/>
+            <a:ext cx="6090840" cy="3423960"/>
           </a:xfrm>
           <a:prstGeom prst="rect">
             <a:avLst/>
@@ -2123,7 +2123,7 @@
         <p:spPr>
           <a:xfrm>
             <a:off x="685800" y="4343400"/>
-            <a:ext cx="5481720" cy="4110120"/>
+            <a:ext cx="5481360" cy="4109760"/>
           </a:xfrm>
           <a:prstGeom prst="rect">
             <a:avLst/>
@@ -2157,7 +2157,7 @@
         <p:spPr>
           <a:xfrm>
             <a:off x="3884760" y="8685360"/>
-            <a:ext cx="2967120" cy="452520"/>
+            <a:ext cx="2966760" cy="452160"/>
           </a:xfrm>
           <a:prstGeom prst="rect">
             <a:avLst/>
@@ -2193,7 +2193,7 @@
               </a:lnSpc>
               <a:buNone/>
             </a:pPr>
-            <a:fld id="{9C39AD9A-0C39-411E-8127-79EAF1D69A37}" type="slidenum">
+            <a:fld id="{471DFE05-77A4-4157-9B4F-CDF0A47A5D32}" type="slidenum">
               <a:rPr b="0" lang="en-US" sz="1200" spc="-1" strike="noStrike">
                 <a:solidFill>
                   <a:srgbClr val="000000"/>
@@ -2244,7 +2244,7 @@
         <p:spPr>
           <a:xfrm>
             <a:off x="380880" y="685800"/>
-            <a:ext cx="6091200" cy="3424320"/>
+            <a:ext cx="6090840" cy="3423960"/>
           </a:xfrm>
           <a:prstGeom prst="rect">
             <a:avLst/>
@@ -2267,7 +2267,7 @@
         <p:spPr>
           <a:xfrm>
             <a:off x="685800" y="4343400"/>
-            <a:ext cx="5481720" cy="4110120"/>
+            <a:ext cx="5481360" cy="4109760"/>
           </a:xfrm>
           <a:prstGeom prst="rect">
             <a:avLst/>
@@ -2301,7 +2301,7 @@
         <p:spPr>
           <a:xfrm>
             <a:off x="3884760" y="8685360"/>
-            <a:ext cx="2967120" cy="452520"/>
+            <a:ext cx="2966760" cy="452160"/>
           </a:xfrm>
           <a:prstGeom prst="rect">
             <a:avLst/>
@@ -2337,7 +2337,7 @@
               </a:lnSpc>
               <a:buNone/>
             </a:pPr>
-            <a:fld id="{E00F9021-5A0C-43BE-AF53-2537D9CBC3BE}" type="slidenum">
+            <a:fld id="{9324C980-950C-48F2-91C1-887594B2574E}" type="slidenum">
               <a:rPr b="0" lang="en-US" sz="1200" spc="-1" strike="noStrike">
                 <a:solidFill>
                   <a:srgbClr val="000000"/>
@@ -2388,7 +2388,7 @@
         <p:spPr>
           <a:xfrm>
             <a:off x="380880" y="685800"/>
-            <a:ext cx="6091200" cy="3424320"/>
+            <a:ext cx="6090840" cy="3423960"/>
           </a:xfrm>
           <a:prstGeom prst="rect">
             <a:avLst/>
@@ -2411,7 +2411,7 @@
         <p:spPr>
           <a:xfrm>
             <a:off x="685800" y="4343400"/>
-            <a:ext cx="5481720" cy="4110120"/>
+            <a:ext cx="5481360" cy="4109760"/>
           </a:xfrm>
           <a:prstGeom prst="rect">
             <a:avLst/>
@@ -2445,7 +2445,7 @@
         <p:spPr>
           <a:xfrm>
             <a:off x="3884760" y="8685360"/>
-            <a:ext cx="2967120" cy="452520"/>
+            <a:ext cx="2966760" cy="452160"/>
           </a:xfrm>
           <a:prstGeom prst="rect">
             <a:avLst/>
@@ -2481,7 +2481,7 @@
               </a:lnSpc>
               <a:buNone/>
             </a:pPr>
-            <a:fld id="{54BC2D8D-2A51-4FEE-80D0-2653356BD740}" type="slidenum">
+            <a:fld id="{9FF74FD7-F00D-4DF6-B377-E9FB0409DDF4}" type="slidenum">
               <a:rPr b="0" lang="en-US" sz="1200" spc="-1" strike="noStrike">
                 <a:solidFill>
                   <a:srgbClr val="000000"/>
@@ -2532,7 +2532,7 @@
         <p:spPr>
           <a:xfrm>
             <a:off x="380880" y="685800"/>
-            <a:ext cx="6091200" cy="3424320"/>
+            <a:ext cx="6090840" cy="3423960"/>
           </a:xfrm>
           <a:prstGeom prst="rect">
             <a:avLst/>
@@ -2555,7 +2555,7 @@
         <p:spPr>
           <a:xfrm>
             <a:off x="685800" y="4343400"/>
-            <a:ext cx="5481720" cy="4110120"/>
+            <a:ext cx="5481360" cy="4109760"/>
           </a:xfrm>
           <a:prstGeom prst="rect">
             <a:avLst/>
@@ -2589,7 +2589,7 @@
         <p:spPr>
           <a:xfrm>
             <a:off x="3884760" y="8685360"/>
-            <a:ext cx="2967120" cy="452520"/>
+            <a:ext cx="2966760" cy="452160"/>
           </a:xfrm>
           <a:prstGeom prst="rect">
             <a:avLst/>
@@ -2625,7 +2625,7 @@
               </a:lnSpc>
               <a:buNone/>
             </a:pPr>
-            <a:fld id="{71EB285B-BAFB-4599-8CC6-5E38F6194510}" type="slidenum">
+            <a:fld id="{DF8C3365-2F9F-44B7-8D65-BF7AA382C76E}" type="slidenum">
               <a:rPr b="0" lang="en-US" sz="1200" spc="-1" strike="noStrike">
                 <a:solidFill>
                   <a:srgbClr val="000000"/>
@@ -2676,7 +2676,7 @@
         <p:spPr>
           <a:xfrm>
             <a:off x="380880" y="685800"/>
-            <a:ext cx="6091200" cy="3424320"/>
+            <a:ext cx="6090840" cy="3423960"/>
           </a:xfrm>
           <a:prstGeom prst="rect">
             <a:avLst/>
@@ -2699,7 +2699,7 @@
         <p:spPr>
           <a:xfrm>
             <a:off x="685800" y="4343400"/>
-            <a:ext cx="5481720" cy="4110120"/>
+            <a:ext cx="5481360" cy="4109760"/>
           </a:xfrm>
           <a:prstGeom prst="rect">
             <a:avLst/>
@@ -2733,7 +2733,7 @@
         <p:spPr>
           <a:xfrm>
             <a:off x="3884760" y="8685360"/>
-            <a:ext cx="2967120" cy="452520"/>
+            <a:ext cx="2966760" cy="452160"/>
           </a:xfrm>
           <a:prstGeom prst="rect">
             <a:avLst/>
@@ -2769,7 +2769,7 @@
               </a:lnSpc>
               <a:buNone/>
             </a:pPr>
-            <a:fld id="{67C15B3A-3822-4402-B8FC-BFC49FAAE0D2}" type="slidenum">
+            <a:fld id="{8297F09E-687E-4152-A7B0-90F156EE7742}" type="slidenum">
               <a:rPr b="0" lang="en-US" sz="1200" spc="-1" strike="noStrike">
                 <a:solidFill>
                   <a:srgbClr val="000000"/>
@@ -2820,7 +2820,7 @@
         <p:spPr>
           <a:xfrm>
             <a:off x="380880" y="685800"/>
-            <a:ext cx="6091200" cy="3424320"/>
+            <a:ext cx="6090840" cy="3423960"/>
           </a:xfrm>
           <a:prstGeom prst="rect">
             <a:avLst/>
@@ -2843,7 +2843,7 @@
         <p:spPr>
           <a:xfrm>
             <a:off x="685800" y="4343400"/>
-            <a:ext cx="5481720" cy="4110120"/>
+            <a:ext cx="5481360" cy="4109760"/>
           </a:xfrm>
           <a:prstGeom prst="rect">
             <a:avLst/>
@@ -2877,7 +2877,7 @@
         <p:spPr>
           <a:xfrm>
             <a:off x="3884760" y="8685360"/>
-            <a:ext cx="2967120" cy="452520"/>
+            <a:ext cx="2966760" cy="452160"/>
           </a:xfrm>
           <a:prstGeom prst="rect">
             <a:avLst/>
@@ -2913,7 +2913,7 @@
               </a:lnSpc>
               <a:buNone/>
             </a:pPr>
-            <a:fld id="{7FFD85F5-3407-4E8D-88B4-37B7691933E9}" type="slidenum">
+            <a:fld id="{49638460-CD72-4E4C-B9CE-BB61767BA2A0}" type="slidenum">
               <a:rPr b="0" lang="en-US" sz="1200" spc="-1" strike="noStrike">
                 <a:solidFill>
                   <a:srgbClr val="000000"/>
@@ -2964,7 +2964,7 @@
         <p:spPr>
           <a:xfrm>
             <a:off x="380880" y="685800"/>
-            <a:ext cx="6091200" cy="3424320"/>
+            <a:ext cx="6090840" cy="3423960"/>
           </a:xfrm>
           <a:prstGeom prst="rect">
             <a:avLst/>
@@ -2987,7 +2987,7 @@
         <p:spPr>
           <a:xfrm>
             <a:off x="685800" y="4343400"/>
-            <a:ext cx="5481720" cy="4110120"/>
+            <a:ext cx="5481360" cy="4109760"/>
           </a:xfrm>
           <a:prstGeom prst="rect">
             <a:avLst/>
@@ -3021,7 +3021,7 @@
         <p:spPr>
           <a:xfrm>
             <a:off x="3884760" y="8685360"/>
-            <a:ext cx="2967120" cy="452520"/>
+            <a:ext cx="2966760" cy="452160"/>
           </a:xfrm>
           <a:prstGeom prst="rect">
             <a:avLst/>
@@ -3057,7 +3057,7 @@
               </a:lnSpc>
               <a:buNone/>
             </a:pPr>
-            <a:fld id="{61863F12-76EB-4015-85CB-4C43A997A07A}" type="slidenum">
+            <a:fld id="{0BE0AA92-29CE-4695-8E75-F5FC78C1E436}" type="slidenum">
               <a:rPr b="0" lang="en-US" sz="1200" spc="-1" strike="noStrike">
                 <a:solidFill>
                   <a:srgbClr val="000000"/>
@@ -3108,7 +3108,7 @@
         <p:spPr>
           <a:xfrm>
             <a:off x="380880" y="685800"/>
-            <a:ext cx="6091200" cy="3424320"/>
+            <a:ext cx="6090840" cy="3423960"/>
           </a:xfrm>
           <a:prstGeom prst="rect">
             <a:avLst/>
@@ -3131,7 +3131,7 @@
         <p:spPr>
           <a:xfrm>
             <a:off x="685800" y="4343400"/>
-            <a:ext cx="5481720" cy="4110120"/>
+            <a:ext cx="5481360" cy="4109760"/>
           </a:xfrm>
           <a:prstGeom prst="rect">
             <a:avLst/>
@@ -3165,7 +3165,7 @@
         <p:spPr>
           <a:xfrm>
             <a:off x="3884760" y="8685360"/>
-            <a:ext cx="2967120" cy="452520"/>
+            <a:ext cx="2966760" cy="452160"/>
           </a:xfrm>
           <a:prstGeom prst="rect">
             <a:avLst/>
@@ -3201,7 +3201,7 @@
               </a:lnSpc>
               <a:buNone/>
             </a:pPr>
-            <a:fld id="{6DFA68C1-1C9F-4C07-9F8A-9604D7D94BD4}" type="slidenum">
+            <a:fld id="{34FE6747-A816-419E-B19A-76281C397919}" type="slidenum">
               <a:rPr b="0" lang="en-US" sz="1200" spc="-1" strike="noStrike">
                 <a:solidFill>
                   <a:srgbClr val="000000"/>
@@ -3252,7 +3252,7 @@
         <p:spPr>
           <a:xfrm>
             <a:off x="380880" y="685800"/>
-            <a:ext cx="6091200" cy="3424320"/>
+            <a:ext cx="6090840" cy="3423960"/>
           </a:xfrm>
           <a:prstGeom prst="rect">
             <a:avLst/>
@@ -3275,7 +3275,7 @@
         <p:spPr>
           <a:xfrm>
             <a:off x="685800" y="4343400"/>
-            <a:ext cx="5481720" cy="4110120"/>
+            <a:ext cx="5481360" cy="4109760"/>
           </a:xfrm>
           <a:prstGeom prst="rect">
             <a:avLst/>
@@ -3309,7 +3309,7 @@
         <p:spPr>
           <a:xfrm>
             <a:off x="3884760" y="8685360"/>
-            <a:ext cx="2967120" cy="452520"/>
+            <a:ext cx="2966760" cy="452160"/>
           </a:xfrm>
           <a:prstGeom prst="rect">
             <a:avLst/>
@@ -3345,7 +3345,7 @@
               </a:lnSpc>
               <a:buNone/>
             </a:pPr>
-            <a:fld id="{B1105180-0E70-40DE-A5CA-0053C1077369}" type="slidenum">
+            <a:fld id="{283713A0-3397-4CB0-8660-2C7A565753C9}" type="slidenum">
               <a:rPr b="0" lang="en-US" sz="1200" spc="-1" strike="noStrike">
                 <a:solidFill>
                   <a:srgbClr val="000000"/>
@@ -3396,7 +3396,7 @@
         <p:spPr>
           <a:xfrm>
             <a:off x="380880" y="685800"/>
-            <a:ext cx="6091200" cy="3424320"/>
+            <a:ext cx="6090840" cy="3423960"/>
           </a:xfrm>
           <a:prstGeom prst="rect">
             <a:avLst/>
@@ -3419,7 +3419,7 @@
         <p:spPr>
           <a:xfrm>
             <a:off x="685800" y="4343400"/>
-            <a:ext cx="5481720" cy="4110120"/>
+            <a:ext cx="5481360" cy="4109760"/>
           </a:xfrm>
           <a:prstGeom prst="rect">
             <a:avLst/>
@@ -3453,7 +3453,7 @@
         <p:spPr>
           <a:xfrm>
             <a:off x="3884760" y="8685360"/>
-            <a:ext cx="2967120" cy="452520"/>
+            <a:ext cx="2966760" cy="452160"/>
           </a:xfrm>
           <a:prstGeom prst="rect">
             <a:avLst/>
@@ -3489,7 +3489,7 @@
               </a:lnSpc>
               <a:buNone/>
             </a:pPr>
-            <a:fld id="{6CA1FD44-1FFA-46E1-857B-048AB5105E55}" type="slidenum">
+            <a:fld id="{ECDF5F61-5482-464E-B7F7-CC28B4A570DD}" type="slidenum">
               <a:rPr b="0" lang="en-US" sz="1200" spc="-1" strike="noStrike">
                 <a:solidFill>
                   <a:srgbClr val="000000"/>
@@ -3540,7 +3540,7 @@
         <p:spPr>
           <a:xfrm>
             <a:off x="380880" y="685800"/>
-            <a:ext cx="6091200" cy="3424320"/>
+            <a:ext cx="6090840" cy="3423960"/>
           </a:xfrm>
           <a:prstGeom prst="rect">
             <a:avLst/>
@@ -3563,7 +3563,7 @@
         <p:spPr>
           <a:xfrm>
             <a:off x="685800" y="4343400"/>
-            <a:ext cx="5481720" cy="4110120"/>
+            <a:ext cx="5481360" cy="4109760"/>
           </a:xfrm>
           <a:prstGeom prst="rect">
             <a:avLst/>
@@ -3597,7 +3597,7 @@
         <p:spPr>
           <a:xfrm>
             <a:off x="3884760" y="8685360"/>
-            <a:ext cx="2967120" cy="452520"/>
+            <a:ext cx="2966760" cy="452160"/>
           </a:xfrm>
           <a:prstGeom prst="rect">
             <a:avLst/>
@@ -3633,7 +3633,7 @@
               </a:lnSpc>
               <a:buNone/>
             </a:pPr>
-            <a:fld id="{7F02CA89-0FF5-4AA3-BF8E-CCE9BA659F1F}" type="slidenum">
+            <a:fld id="{4F726596-EBE2-405D-862F-CD66BBE438F9}" type="slidenum">
               <a:rPr b="0" lang="en-US" sz="1200" spc="-1" strike="noStrike">
                 <a:solidFill>
                   <a:srgbClr val="000000"/>
@@ -3684,7 +3684,7 @@
         <p:spPr>
           <a:xfrm>
             <a:off x="380880" y="685800"/>
-            <a:ext cx="6091200" cy="3424320"/>
+            <a:ext cx="6090840" cy="3423960"/>
           </a:xfrm>
           <a:prstGeom prst="rect">
             <a:avLst/>
@@ -3707,7 +3707,7 @@
         <p:spPr>
           <a:xfrm>
             <a:off x="685800" y="4343400"/>
-            <a:ext cx="5481720" cy="4110120"/>
+            <a:ext cx="5481360" cy="4109760"/>
           </a:xfrm>
           <a:prstGeom prst="rect">
             <a:avLst/>
@@ -3741,7 +3741,7 @@
         <p:spPr>
           <a:xfrm>
             <a:off x="3884760" y="8685360"/>
-            <a:ext cx="2967120" cy="452520"/>
+            <a:ext cx="2966760" cy="452160"/>
           </a:xfrm>
           <a:prstGeom prst="rect">
             <a:avLst/>
@@ -3777,7 +3777,7 @@
               </a:lnSpc>
               <a:buNone/>
             </a:pPr>
-            <a:fld id="{831D63BD-91AF-4CAD-87BC-8B5E74504D7B}" type="slidenum">
+            <a:fld id="{8041B572-42C4-477A-90BF-12324725D687}" type="slidenum">
               <a:rPr b="0" lang="en-US" sz="1200" spc="-1" strike="noStrike">
                 <a:solidFill>
                   <a:srgbClr val="000000"/>
@@ -3828,7 +3828,7 @@
         <p:spPr>
           <a:xfrm>
             <a:off x="380880" y="685800"/>
-            <a:ext cx="6091200" cy="3424320"/>
+            <a:ext cx="6090840" cy="3423960"/>
           </a:xfrm>
           <a:prstGeom prst="rect">
             <a:avLst/>
@@ -3851,7 +3851,7 @@
         <p:spPr>
           <a:xfrm>
             <a:off x="685800" y="4343400"/>
-            <a:ext cx="5481720" cy="4110120"/>
+            <a:ext cx="5481360" cy="4109760"/>
           </a:xfrm>
           <a:prstGeom prst="rect">
             <a:avLst/>
@@ -3885,7 +3885,7 @@
         <p:spPr>
           <a:xfrm>
             <a:off x="3884760" y="8685360"/>
-            <a:ext cx="2967120" cy="452520"/>
+            <a:ext cx="2966760" cy="452160"/>
           </a:xfrm>
           <a:prstGeom prst="rect">
             <a:avLst/>
@@ -3921,7 +3921,7 @@
               </a:lnSpc>
               <a:buNone/>
             </a:pPr>
-            <a:fld id="{B639A086-787B-4CAB-9348-025546A56E7E}" type="slidenum">
+            <a:fld id="{24567625-FC46-4A8C-93A4-574D0D4C3FF4}" type="slidenum">
               <a:rPr b="0" lang="en-US" sz="1200" spc="-1" strike="noStrike">
                 <a:solidFill>
                   <a:srgbClr val="000000"/>
@@ -3972,7 +3972,7 @@
         <p:spPr>
           <a:xfrm>
             <a:off x="380880" y="685800"/>
-            <a:ext cx="6091200" cy="3424320"/>
+            <a:ext cx="6090840" cy="3423960"/>
           </a:xfrm>
           <a:prstGeom prst="rect">
             <a:avLst/>
@@ -3995,7 +3995,7 @@
         <p:spPr>
           <a:xfrm>
             <a:off x="685800" y="4343400"/>
-            <a:ext cx="5481720" cy="4110120"/>
+            <a:ext cx="5481360" cy="4109760"/>
           </a:xfrm>
           <a:prstGeom prst="rect">
             <a:avLst/>
@@ -4029,7 +4029,7 @@
         <p:spPr>
           <a:xfrm>
             <a:off x="3884760" y="8685360"/>
-            <a:ext cx="2967120" cy="452520"/>
+            <a:ext cx="2966760" cy="452160"/>
           </a:xfrm>
           <a:prstGeom prst="rect">
             <a:avLst/>
@@ -4065,7 +4065,7 @@
               </a:lnSpc>
               <a:buNone/>
             </a:pPr>
-            <a:fld id="{FE0787BA-6494-4B0C-921C-12608691F425}" type="slidenum">
+            <a:fld id="{CF78D282-548D-4BFF-8573-7356DF6B878E}" type="slidenum">
               <a:rPr b="0" lang="en-US" sz="1200" spc="-1" strike="noStrike">
                 <a:solidFill>
                   <a:srgbClr val="000000"/>
@@ -4116,7 +4116,7 @@
         <p:spPr>
           <a:xfrm>
             <a:off x="380880" y="685800"/>
-            <a:ext cx="6091200" cy="3424320"/>
+            <a:ext cx="6090840" cy="3423960"/>
           </a:xfrm>
           <a:prstGeom prst="rect">
             <a:avLst/>
@@ -4139,7 +4139,7 @@
         <p:spPr>
           <a:xfrm>
             <a:off x="685800" y="4343400"/>
-            <a:ext cx="5481720" cy="4110120"/>
+            <a:ext cx="5481360" cy="4109760"/>
           </a:xfrm>
           <a:prstGeom prst="rect">
             <a:avLst/>
@@ -4173,7 +4173,7 @@
         <p:spPr>
           <a:xfrm>
             <a:off x="3884760" y="8685360"/>
-            <a:ext cx="2967120" cy="452520"/>
+            <a:ext cx="2966760" cy="452160"/>
           </a:xfrm>
           <a:prstGeom prst="rect">
             <a:avLst/>
@@ -4209,7 +4209,7 @@
               </a:lnSpc>
               <a:buNone/>
             </a:pPr>
-            <a:fld id="{4D888C94-3A95-4E65-90B0-50E51D1257C6}" type="slidenum">
+            <a:fld id="{1E53BCA3-4897-4157-9CC9-FDBBB487EB5E}" type="slidenum">
               <a:rPr b="0" lang="en-US" sz="1200" spc="-1" strike="noStrike">
                 <a:solidFill>
                   <a:srgbClr val="000000"/>
@@ -4260,7 +4260,7 @@
         <p:spPr>
           <a:xfrm>
             <a:off x="380880" y="685800"/>
-            <a:ext cx="6091200" cy="3424320"/>
+            <a:ext cx="6090840" cy="3423960"/>
           </a:xfrm>
           <a:prstGeom prst="rect">
             <a:avLst/>
@@ -4283,7 +4283,7 @@
         <p:spPr>
           <a:xfrm>
             <a:off x="685800" y="4343400"/>
-            <a:ext cx="5481720" cy="4110120"/>
+            <a:ext cx="5481360" cy="4109760"/>
           </a:xfrm>
           <a:prstGeom prst="rect">
             <a:avLst/>
@@ -4317,7 +4317,7 @@
         <p:spPr>
           <a:xfrm>
             <a:off x="3884760" y="8685360"/>
-            <a:ext cx="2967120" cy="452520"/>
+            <a:ext cx="2966760" cy="452160"/>
           </a:xfrm>
           <a:prstGeom prst="rect">
             <a:avLst/>
@@ -4353,7 +4353,7 @@
               </a:lnSpc>
               <a:buNone/>
             </a:pPr>
-            <a:fld id="{42323E50-2FC2-47CF-867B-51458E9D4F4A}" type="slidenum">
+            <a:fld id="{4E1DA0E1-9464-41BA-B2AD-46E60588C3B1}" type="slidenum">
               <a:rPr b="0" lang="en-US" sz="1200" spc="-1" strike="noStrike">
                 <a:solidFill>
                   <a:srgbClr val="000000"/>
@@ -4404,7 +4404,7 @@
         <p:spPr>
           <a:xfrm>
             <a:off x="380880" y="685800"/>
-            <a:ext cx="6091200" cy="3424320"/>
+            <a:ext cx="6090840" cy="3423960"/>
           </a:xfrm>
           <a:prstGeom prst="rect">
             <a:avLst/>
@@ -4427,7 +4427,7 @@
         <p:spPr>
           <a:xfrm>
             <a:off x="685800" y="4343400"/>
-            <a:ext cx="5481720" cy="4110120"/>
+            <a:ext cx="5481360" cy="4109760"/>
           </a:xfrm>
           <a:prstGeom prst="rect">
             <a:avLst/>
@@ -4461,7 +4461,7 @@
         <p:spPr>
           <a:xfrm>
             <a:off x="3884760" y="8685360"/>
-            <a:ext cx="2967120" cy="452520"/>
+            <a:ext cx="2966760" cy="452160"/>
           </a:xfrm>
           <a:prstGeom prst="rect">
             <a:avLst/>
@@ -4497,7 +4497,7 @@
               </a:lnSpc>
               <a:buNone/>
             </a:pPr>
-            <a:fld id="{20537AA9-4A36-4451-BCED-7E75F485FDA1}" type="slidenum">
+            <a:fld id="{0318A1AD-5C5A-4795-94AA-295D9DD4DAE2}" type="slidenum">
               <a:rPr b="0" lang="en-US" sz="1200" spc="-1" strike="noStrike">
                 <a:solidFill>
                   <a:srgbClr val="000000"/>
@@ -4548,7 +4548,7 @@
         <p:spPr>
           <a:xfrm>
             <a:off x="380880" y="685800"/>
-            <a:ext cx="6091200" cy="3424320"/>
+            <a:ext cx="6090840" cy="3423960"/>
           </a:xfrm>
           <a:prstGeom prst="rect">
             <a:avLst/>
@@ -4571,7 +4571,7 @@
         <p:spPr>
           <a:xfrm>
             <a:off x="685800" y="4343400"/>
-            <a:ext cx="5481720" cy="4110120"/>
+            <a:ext cx="5481360" cy="4109760"/>
           </a:xfrm>
           <a:prstGeom prst="rect">
             <a:avLst/>
@@ -4605,7 +4605,7 @@
         <p:spPr>
           <a:xfrm>
             <a:off x="3884760" y="8685360"/>
-            <a:ext cx="2967120" cy="452520"/>
+            <a:ext cx="2966760" cy="452160"/>
           </a:xfrm>
           <a:prstGeom prst="rect">
             <a:avLst/>
@@ -4641,7 +4641,7 @@
               </a:lnSpc>
               <a:buNone/>
             </a:pPr>
-            <a:fld id="{A2C38C0E-8ECC-49B6-BF58-B03E4C985F4D}" type="slidenum">
+            <a:fld id="{27B100BC-7E73-43ED-B411-E6671011F160}" type="slidenum">
               <a:rPr b="0" lang="en-US" sz="1200" spc="-1" strike="noStrike">
                 <a:solidFill>
                   <a:srgbClr val="000000"/>
@@ -4692,7 +4692,7 @@
         <p:spPr>
           <a:xfrm>
             <a:off x="380880" y="685800"/>
-            <a:ext cx="6091200" cy="3424320"/>
+            <a:ext cx="6090840" cy="3423960"/>
           </a:xfrm>
           <a:prstGeom prst="rect">
             <a:avLst/>
@@ -4715,7 +4715,7 @@
         <p:spPr>
           <a:xfrm>
             <a:off x="685800" y="4343400"/>
-            <a:ext cx="5481720" cy="4110120"/>
+            <a:ext cx="5481360" cy="4109760"/>
           </a:xfrm>
           <a:prstGeom prst="rect">
             <a:avLst/>
@@ -4749,7 +4749,7 @@
         <p:spPr>
           <a:xfrm>
             <a:off x="3884760" y="8685360"/>
-            <a:ext cx="2967120" cy="452520"/>
+            <a:ext cx="2966760" cy="452160"/>
           </a:xfrm>
           <a:prstGeom prst="rect">
             <a:avLst/>
@@ -4785,7 +4785,7 @@
               </a:lnSpc>
               <a:buNone/>
             </a:pPr>
-            <a:fld id="{C2173309-E625-487F-A536-F3BDFF472889}" type="slidenum">
+            <a:fld id="{4C12C92E-9017-474C-AD22-7A15D195CA14}" type="slidenum">
               <a:rPr b="0" lang="en-US" sz="1200" spc="-1" strike="noStrike">
                 <a:solidFill>
                   <a:srgbClr val="000000"/>
@@ -4836,7 +4836,7 @@
         <p:spPr>
           <a:xfrm>
             <a:off x="380880" y="685800"/>
-            <a:ext cx="6091200" cy="3424320"/>
+            <a:ext cx="6090840" cy="3423960"/>
           </a:xfrm>
           <a:prstGeom prst="rect">
             <a:avLst/>
@@ -4859,7 +4859,7 @@
         <p:spPr>
           <a:xfrm>
             <a:off x="685800" y="4343400"/>
-            <a:ext cx="5481720" cy="4110120"/>
+            <a:ext cx="5481360" cy="4109760"/>
           </a:xfrm>
           <a:prstGeom prst="rect">
             <a:avLst/>
@@ -4893,7 +4893,7 @@
         <p:spPr>
           <a:xfrm>
             <a:off x="3884760" y="8685360"/>
-            <a:ext cx="2967120" cy="452520"/>
+            <a:ext cx="2966760" cy="452160"/>
           </a:xfrm>
           <a:prstGeom prst="rect">
             <a:avLst/>
@@ -4929,7 +4929,7 @@
               </a:lnSpc>
               <a:buNone/>
             </a:pPr>
-            <a:fld id="{C2188401-03A0-48D4-8DD3-1D6A24FB92BD}" type="slidenum">
+            <a:fld id="{7CCDFF5A-3FE9-4AD2-9140-47A03C312280}" type="slidenum">
               <a:rPr b="0" lang="en-US" sz="1200" spc="-1" strike="noStrike">
                 <a:solidFill>
                   <a:srgbClr val="000000"/>
@@ -4980,7 +4980,7 @@
         <p:spPr>
           <a:xfrm>
             <a:off x="380880" y="685800"/>
-            <a:ext cx="6091200" cy="3424320"/>
+            <a:ext cx="6090840" cy="3423960"/>
           </a:xfrm>
           <a:prstGeom prst="rect">
             <a:avLst/>
@@ -5003,7 +5003,7 @@
         <p:spPr>
           <a:xfrm>
             <a:off x="685800" y="4343400"/>
-            <a:ext cx="5481720" cy="4110120"/>
+            <a:ext cx="5481360" cy="4109760"/>
           </a:xfrm>
           <a:prstGeom prst="rect">
             <a:avLst/>
@@ -5037,7 +5037,7 @@
         <p:spPr>
           <a:xfrm>
             <a:off x="3884760" y="8685360"/>
-            <a:ext cx="2967120" cy="452520"/>
+            <a:ext cx="2966760" cy="452160"/>
           </a:xfrm>
           <a:prstGeom prst="rect">
             <a:avLst/>
@@ -5073,7 +5073,7 @@
               </a:lnSpc>
               <a:buNone/>
             </a:pPr>
-            <a:fld id="{2EC27882-7BEB-4AF4-8C08-33C3BF1C228D}" type="slidenum">
+            <a:fld id="{BA9171B7-D584-4765-87A0-906F8BC07226}" type="slidenum">
               <a:rPr b="0" lang="en-US" sz="1200" spc="-1" strike="noStrike">
                 <a:solidFill>
                   <a:srgbClr val="000000"/>
@@ -5145,7 +5145,7 @@
         <p:txBody>
           <a:bodyPr/>
           <a:p>
-            <a:fld id="{5C685460-0F63-457E-B3C4-7FC2591A44F1}" type="slidenum">
+            <a:fld id="{2A9A7983-30CF-40CC-9FB2-3EB3572C23F9}" type="slidenum">
               <a:t>&lt;#&gt;</a:t>
             </a:fld>
           </a:p>
@@ -5333,7 +5333,7 @@
         <p:txBody>
           <a:bodyPr/>
           <a:p>
-            <a:fld id="{32E9F02F-4B4C-4A6F-89BF-689BF5C03E8A}" type="slidenum">
+            <a:fld id="{E94631DA-1E9A-481E-BE2F-96E58E212A31}" type="slidenum">
               <a:t>&lt;#&gt;</a:t>
             </a:fld>
           </a:p>
@@ -5589,7 +5589,7 @@
         <p:txBody>
           <a:bodyPr/>
           <a:p>
-            <a:fld id="{C7B3F04E-5DC7-445A-9B15-7631D42FEE8A}" type="slidenum">
+            <a:fld id="{7B56ACC5-68EE-4F02-BAF6-A7DC5D59ABE7}" type="slidenum">
               <a:t>&lt;#&gt;</a:t>
             </a:fld>
           </a:p>
@@ -5913,7 +5913,7 @@
         <p:txBody>
           <a:bodyPr/>
           <a:p>
-            <a:fld id="{BA66D0AF-5E7C-48D9-BF3E-44A822DE78C7}" type="slidenum">
+            <a:fld id="{72643380-FDFA-4208-8F13-358DBEB771E0}" type="slidenum">
               <a:t>&lt;#&gt;</a:t>
             </a:fld>
           </a:p>
@@ -6070,7 +6070,7 @@
         <p:txBody>
           <a:bodyPr/>
           <a:p>
-            <a:fld id="{30B1583C-EA4E-4CA6-AF18-9CB631466891}" type="slidenum">
+            <a:fld id="{CC8CD4BC-24C3-4C6C-BDA1-715DFB91355D}" type="slidenum">
               <a:t>&lt;#&gt;</a:t>
             </a:fld>
           </a:p>
@@ -6224,7 +6224,7 @@
         <p:txBody>
           <a:bodyPr/>
           <a:p>
-            <a:fld id="{333D8A39-1289-4C0D-87D7-0C32C6F06353}" type="slidenum">
+            <a:fld id="{6B021CC4-E61F-42DD-8778-0CA4503FAC11}" type="slidenum">
               <a:t>&lt;#&gt;</a:t>
             </a:fld>
           </a:p>
@@ -6412,7 +6412,7 @@
         <p:txBody>
           <a:bodyPr/>
           <a:p>
-            <a:fld id="{22FB6A70-63A4-4DF0-B68B-4F7D9598F514}" type="slidenum">
+            <a:fld id="{BFC5B637-DFFD-424E-B9B9-2513AB826DE7}" type="slidenum">
               <a:t>&lt;#&gt;</a:t>
             </a:fld>
           </a:p>
@@ -6532,7 +6532,7 @@
         <p:txBody>
           <a:bodyPr/>
           <a:p>
-            <a:fld id="{AF3CED9B-15A5-4137-8826-501552CA6AAC}" type="slidenum">
+            <a:fld id="{FAA64A36-D0BA-4012-8BD3-1F817DC7BED5}" type="slidenum">
               <a:t>&lt;#&gt;</a:t>
             </a:fld>
           </a:p>
@@ -6652,7 +6652,7 @@
         <p:txBody>
           <a:bodyPr/>
           <a:p>
-            <a:fld id="{FCD02668-46AC-470C-BCC1-90F7C11B59D0}" type="slidenum">
+            <a:fld id="{CD3009D2-AB7E-43A4-A007-1C4EFE4869CB}" type="slidenum">
               <a:t>&lt;#&gt;</a:t>
             </a:fld>
           </a:p>
@@ -6874,7 +6874,7 @@
         <p:txBody>
           <a:bodyPr/>
           <a:p>
-            <a:fld id="{3D44FE25-D629-4CD2-80EE-73C19CDBEE96}" type="slidenum">
+            <a:fld id="{8953CAA6-AA2F-4994-B22C-0AB24F666F55}" type="slidenum">
               <a:t>&lt;#&gt;</a:t>
             </a:fld>
           </a:p>
@@ -7096,7 +7096,7 @@
         <p:txBody>
           <a:bodyPr/>
           <a:p>
-            <a:fld id="{6670865A-3E5E-4F74-8351-A4AD737CE3BA}" type="slidenum">
+            <a:fld id="{D61BAD09-E628-4AEB-9A67-F8461CAD9318}" type="slidenum">
               <a:t>&lt;#&gt;</a:t>
             </a:fld>
           </a:p>
@@ -7318,7 +7318,7 @@
         <p:txBody>
           <a:bodyPr/>
           <a:p>
-            <a:fld id="{4B5198AC-8399-42F7-9D95-AE9CA6319C18}" type="slidenum">
+            <a:fld id="{B250F287-0A90-4BD7-AF3B-106FBF084CCA}" type="slidenum">
               <a:t>&lt;#&gt;</a:t>
             </a:fld>
           </a:p>
@@ -7387,7 +7387,7 @@
         <p:spPr>
           <a:xfrm>
             <a:off x="3028680" y="4771440"/>
-            <a:ext cx="3081960" cy="270000"/>
+            <a:ext cx="3081600" cy="269640"/>
           </a:xfrm>
           <a:prstGeom prst="rect">
             <a:avLst/>
@@ -7431,7 +7431,7 @@
                 <a:latin typeface="Times New Roman"/>
                 <a:ea typeface="DejaVu Sans"/>
               </a:rPr>
-              <a:t> </a:t>
+              <a:t>&lt;footer&gt;</a:t>
             </a:r>
             <a:endParaRPr b="0" lang="en-US" sz="1400" spc="-1" strike="noStrike">
               <a:latin typeface="Times New Roman"/>
@@ -7452,7 +7452,7 @@
         <p:spPr>
           <a:xfrm>
             <a:off x="6457680" y="4771440"/>
-            <a:ext cx="2053440" cy="270000"/>
+            <a:ext cx="2053080" cy="269640"/>
           </a:xfrm>
           <a:prstGeom prst="rect">
             <a:avLst/>
@@ -7488,7 +7488,7 @@
               </a:lnSpc>
               <a:buNone/>
             </a:pPr>
-            <a:fld id="{683965C1-1AC8-4AF8-BCC7-D3A7A76DDE23}" type="slidenum">
+            <a:fld id="{9726BCB3-1AF0-4C63-8865-0C6FA4F457D2}" type="slidenum">
               <a:rPr b="0" lang="en-US" sz="1200" spc="-1" strike="noStrike">
                 <a:solidFill>
                   <a:srgbClr val="8b8b8b"/>
@@ -7496,7 +7496,7 @@
                 <a:latin typeface="Calibri"/>
                 <a:ea typeface="DejaVu Sans"/>
               </a:rPr>
-              <a:t>32</a:t>
+              <a:t>&lt;number&gt;</a:t>
             </a:fld>
             <a:endParaRPr b="0" lang="en-US" sz="1200" spc="-1" strike="noStrike">
               <a:latin typeface="Times New Roman"/>
@@ -7517,7 +7517,7 @@
         <p:spPr>
           <a:xfrm>
             <a:off x="628200" y="4771440"/>
-            <a:ext cx="2053440" cy="270000"/>
+            <a:ext cx="2053080" cy="269640"/>
           </a:xfrm>
           <a:prstGeom prst="rect">
             <a:avLst/>
@@ -7543,7 +7543,7 @@
               <a:rPr b="0" lang="en-US" sz="1400" spc="-1" strike="noStrike">
                 <a:latin typeface="Times New Roman"/>
               </a:rPr>
-              <a:t> </a:t>
+              <a:t>&lt;date/time&gt;</a:t>
             </a:r>
             <a:endParaRPr b="0" lang="en-US" sz="1400" spc="-1" strike="noStrike">
               <a:latin typeface="Times New Roman"/>
@@ -7829,8 +7829,8 @@
         </p:nvSpPr>
         <p:spPr>
           <a:xfrm rot="2744400">
-            <a:off x="-280800" y="-25560"/>
-            <a:ext cx="704160" cy="703800"/>
+            <a:off x="-280080" y="-25560"/>
+            <a:ext cx="703800" cy="703440"/>
           </a:xfrm>
           <a:prstGeom prst="roundRect">
             <a:avLst>
@@ -7867,8 +7867,8 @@
         </p:nvSpPr>
         <p:spPr>
           <a:xfrm rot="2625600">
-            <a:off x="6024960" y="4332960"/>
-            <a:ext cx="468000" cy="468000"/>
+            <a:off x="6024960" y="4332600"/>
+            <a:ext cx="467640" cy="467640"/>
           </a:xfrm>
           <a:prstGeom prst="roundRect">
             <a:avLst>
@@ -7906,7 +7906,7 @@
         <p:spPr>
           <a:xfrm rot="18679200">
             <a:off x="7003440" y="948600"/>
-            <a:ext cx="4939560" cy="4665960"/>
+            <a:ext cx="4939200" cy="4665600"/>
           </a:xfrm>
           <a:prstGeom prst="roundRect">
             <a:avLst>
@@ -7944,7 +7944,7 @@
         <p:spPr>
           <a:xfrm>
             <a:off x="459720" y="4671360"/>
-            <a:ext cx="2995200" cy="266040"/>
+            <a:ext cx="2994840" cy="265680"/>
           </a:xfrm>
           <a:prstGeom prst="rect">
             <a:avLst/>
@@ -8009,8 +8009,8 @@
         </p:blipFill>
         <p:spPr>
           <a:xfrm>
-            <a:off x="2423160" y="4671720"/>
-            <a:ext cx="287640" cy="287640"/>
+            <a:off x="3035160" y="4743720"/>
+            <a:ext cx="287280" cy="287280"/>
           </a:xfrm>
           <a:prstGeom prst="rect">
             <a:avLst/>
@@ -8029,7 +8029,7 @@
         <p:spPr>
           <a:xfrm>
             <a:off x="484920" y="1681560"/>
-            <a:ext cx="5480640" cy="1882080"/>
+            <a:ext cx="5480280" cy="1881720"/>
           </a:xfrm>
           <a:prstGeom prst="rect">
             <a:avLst/>
@@ -8117,8 +8117,8 @@
         </p:nvSpPr>
         <p:spPr>
           <a:xfrm rot="2744400">
-            <a:off x="-280800" y="-25560"/>
-            <a:ext cx="704160" cy="703800"/>
+            <a:off x="-280080" y="-25560"/>
+            <a:ext cx="703800" cy="703440"/>
           </a:xfrm>
           <a:prstGeom prst="roundRect">
             <a:avLst>
@@ -8155,8 +8155,8 @@
         </p:nvSpPr>
         <p:spPr>
           <a:xfrm rot="2332200">
-            <a:off x="6009480" y="-319680"/>
-            <a:ext cx="4855320" cy="7726320"/>
+            <a:off x="6009120" y="-319680"/>
+            <a:ext cx="4854960" cy="7725960"/>
           </a:xfrm>
           <a:prstGeom prst="roundRect">
             <a:avLst>
@@ -8194,9 +8194,9 @@
         <p:grpSpPr>
           <a:xfrm>
             <a:off x="4571640" y="828000"/>
-            <a:ext cx="4467960" cy="3564000"/>
+            <a:ext cx="4467600" cy="3563640"/>
             <a:chOff x="4571640" y="828000"/>
-            <a:chExt cx="4467960" cy="3564000"/>
+            <a:chExt cx="4467600" cy="3563640"/>
           </a:xfrm>
         </p:grpSpPr>
         <p:pic>
@@ -8212,7 +8212,7 @@
           <p:spPr>
             <a:xfrm>
               <a:off x="4571640" y="828000"/>
-              <a:ext cx="4467960" cy="3564000"/>
+              <a:ext cx="4467600" cy="3563640"/>
             </a:xfrm>
             <a:prstGeom prst="rect">
               <a:avLst/>
@@ -8230,8 +8230,8 @@
           </p:nvSpPr>
           <p:spPr>
             <a:xfrm rot="16200000">
-              <a:off x="5962680" y="1159200"/>
-              <a:ext cx="1737000" cy="2770920"/>
+              <a:off x="5962680" y="1159560"/>
+              <a:ext cx="1736640" cy="2770560"/>
             </a:xfrm>
             <a:prstGeom prst="roundRect">
               <a:avLst>
@@ -8298,7 +8298,7 @@
         <p:spPr>
           <a:xfrm>
             <a:off x="5446080" y="1672200"/>
-            <a:ext cx="2770560" cy="1737000"/>
+            <a:ext cx="2770200" cy="1736640"/>
           </a:xfrm>
           <a:prstGeom prst="rect">
             <a:avLst/>
@@ -8350,7 +8350,7 @@
         <p:spPr>
           <a:xfrm>
             <a:off x="586440" y="1246680"/>
-            <a:ext cx="4003920" cy="3599640"/>
+            <a:ext cx="4003560" cy="3599280"/>
           </a:xfrm>
           <a:prstGeom prst="rect">
             <a:avLst/>
@@ -8402,7 +8402,7 @@
         <p:spPr>
           <a:xfrm>
             <a:off x="586440" y="453960"/>
-            <a:ext cx="4763880" cy="855000"/>
+            <a:ext cx="4763520" cy="854640"/>
           </a:xfrm>
           <a:prstGeom prst="rect">
             <a:avLst/>
@@ -8491,7 +8491,7 @@
         <p:spPr>
           <a:xfrm rot="2745600">
             <a:off x="8349840" y="-668160"/>
-            <a:ext cx="1497960" cy="1497960"/>
+            <a:ext cx="1497600" cy="1497600"/>
           </a:xfrm>
           <a:prstGeom prst="roundRect">
             <a:avLst>
@@ -8529,7 +8529,7 @@
         <p:spPr>
           <a:xfrm rot="2745600">
             <a:off x="7634160" y="-322200"/>
-            <a:ext cx="806760" cy="807120"/>
+            <a:ext cx="806400" cy="806760"/>
           </a:xfrm>
           <a:prstGeom prst="roundRect">
             <a:avLst>
@@ -8568,7 +8568,7 @@
         <p:spPr>
           <a:xfrm>
             <a:off x="586440" y="899640"/>
-            <a:ext cx="7931520" cy="1536840"/>
+            <a:ext cx="7931160" cy="1536480"/>
           </a:xfrm>
           <a:prstGeom prst="rect">
             <a:avLst/>
@@ -8620,7 +8620,7 @@
         <p:spPr>
           <a:xfrm>
             <a:off x="608040" y="2545560"/>
-            <a:ext cx="3711960" cy="2255400"/>
+            <a:ext cx="3711600" cy="2255040"/>
           </a:xfrm>
           <a:prstGeom prst="rect">
             <a:avLst/>
@@ -8672,7 +8672,7 @@
         <p:spPr>
           <a:xfrm>
             <a:off x="4806360" y="2545560"/>
-            <a:ext cx="3711960" cy="2255400"/>
+            <a:ext cx="3711600" cy="2255040"/>
           </a:xfrm>
           <a:prstGeom prst="rect">
             <a:avLst/>
@@ -8724,7 +8724,7 @@
         <p:spPr>
           <a:xfrm>
             <a:off x="583200" y="450720"/>
-            <a:ext cx="7197840" cy="511920"/>
+            <a:ext cx="7197480" cy="511560"/>
           </a:xfrm>
           <a:prstGeom prst="rect">
             <a:avLst/>
@@ -8806,7 +8806,7 @@
         <p:spPr>
           <a:xfrm>
             <a:off x="586440" y="1246680"/>
-            <a:ext cx="4003920" cy="3599640"/>
+            <a:ext cx="4003560" cy="3599280"/>
           </a:xfrm>
           <a:prstGeom prst="rect">
             <a:avLst/>
@@ -8858,7 +8858,7 @@
         <p:spPr>
           <a:xfrm>
             <a:off x="559800" y="446040"/>
-            <a:ext cx="4283280" cy="683280"/>
+            <a:ext cx="4282920" cy="682920"/>
           </a:xfrm>
           <a:prstGeom prst="rect">
             <a:avLst/>
@@ -8910,7 +8910,7 @@
         <p:spPr>
           <a:xfrm>
             <a:off x="5097600" y="360"/>
-            <a:ext cx="4379400" cy="5143680"/>
+            <a:ext cx="4379040" cy="5143320"/>
           </a:xfrm>
           <a:prstGeom prst="roundRect">
             <a:avLst>
@@ -8975,8 +8975,8 @@
         </p:nvSpPr>
         <p:spPr>
           <a:xfrm rot="2744400">
-            <a:off x="-280800" y="-25560"/>
-            <a:ext cx="704160" cy="703800"/>
+            <a:off x="-280080" y="-25560"/>
+            <a:ext cx="703800" cy="703440"/>
           </a:xfrm>
           <a:prstGeom prst="roundRect">
             <a:avLst>
@@ -9013,8 +9013,8 @@
         </p:nvSpPr>
         <p:spPr>
           <a:xfrm rot="2625600">
-            <a:off x="4861080" y="4146840"/>
-            <a:ext cx="468000" cy="468000"/>
+            <a:off x="4861080" y="4146480"/>
+            <a:ext cx="467640" cy="467640"/>
           </a:xfrm>
           <a:prstGeom prst="roundRect">
             <a:avLst>
@@ -9088,8 +9088,8 @@
         </p:nvSpPr>
         <p:spPr>
           <a:xfrm rot="2744400">
-            <a:off x="-349920" y="4539960"/>
-            <a:ext cx="704160" cy="703800"/>
+            <a:off x="-349200" y="4539600"/>
+            <a:ext cx="703800" cy="703440"/>
           </a:xfrm>
           <a:prstGeom prst="roundRect">
             <a:avLst>
@@ -9126,8 +9126,8 @@
         </p:nvSpPr>
         <p:spPr>
           <a:xfrm rot="19228200">
-            <a:off x="5846040" y="-2266200"/>
-            <a:ext cx="4854960" cy="7725960"/>
+            <a:off x="5845680" y="-2265840"/>
+            <a:ext cx="4854600" cy="7725600"/>
           </a:xfrm>
           <a:prstGeom prst="roundRect">
             <a:avLst>
@@ -9165,9 +9165,9 @@
         <p:grpSpPr>
           <a:xfrm>
             <a:off x="4571640" y="828000"/>
-            <a:ext cx="4467960" cy="3564000"/>
+            <a:ext cx="4467600" cy="3563640"/>
             <a:chOff x="4571640" y="828000"/>
-            <a:chExt cx="4467960" cy="3564000"/>
+            <a:chExt cx="4467600" cy="3563640"/>
           </a:xfrm>
         </p:grpSpPr>
         <p:pic>
@@ -9183,7 +9183,7 @@
           <p:spPr>
             <a:xfrm>
               <a:off x="4571640" y="828000"/>
-              <a:ext cx="4467960" cy="3564000"/>
+              <a:ext cx="4467600" cy="3563640"/>
             </a:xfrm>
             <a:prstGeom prst="rect">
               <a:avLst/>
@@ -9201,8 +9201,8 @@
           </p:nvSpPr>
           <p:spPr>
             <a:xfrm rot="16200000">
-              <a:off x="5962680" y="1159200"/>
-              <a:ext cx="1737000" cy="2770920"/>
+              <a:off x="5962680" y="1159560"/>
+              <a:ext cx="1736640" cy="2770560"/>
             </a:xfrm>
             <a:prstGeom prst="roundRect">
               <a:avLst>
@@ -9269,7 +9269,7 @@
         <p:spPr>
           <a:xfrm>
             <a:off x="586440" y="1246680"/>
-            <a:ext cx="4003920" cy="3599640"/>
+            <a:ext cx="4003560" cy="3599280"/>
           </a:xfrm>
           <a:prstGeom prst="rect">
             <a:avLst/>
@@ -9321,7 +9321,7 @@
         <p:spPr>
           <a:xfrm>
             <a:off x="5446080" y="1672200"/>
-            <a:ext cx="2779920" cy="1737000"/>
+            <a:ext cx="2779560" cy="1736640"/>
           </a:xfrm>
           <a:prstGeom prst="rect">
             <a:avLst/>
@@ -9373,7 +9373,7 @@
         <p:spPr>
           <a:xfrm>
             <a:off x="586440" y="453960"/>
-            <a:ext cx="3696480" cy="855000"/>
+            <a:ext cx="3696120" cy="854640"/>
           </a:xfrm>
           <a:prstGeom prst="rect">
             <a:avLst/>
@@ -9462,7 +9462,7 @@
         <p:spPr>
           <a:xfrm>
             <a:off x="4222080" y="1246680"/>
-            <a:ext cx="4114800" cy="3599640"/>
+            <a:ext cx="4114440" cy="3599280"/>
           </a:xfrm>
           <a:prstGeom prst="rect">
             <a:avLst/>
@@ -9513,8 +9513,8 @@
         </p:nvSpPr>
         <p:spPr>
           <a:xfrm rot="16200000">
-            <a:off x="-2181600" y="1733760"/>
-            <a:ext cx="5143680" cy="1683720"/>
+            <a:off x="-2181600" y="1734120"/>
+            <a:ext cx="5143320" cy="1683360"/>
           </a:xfrm>
           <a:prstGeom prst="roundRect">
             <a:avLst>
@@ -9552,7 +9552,7 @@
         <p:spPr>
           <a:xfrm rot="2745000">
             <a:off x="8575200" y="103320"/>
-            <a:ext cx="1132200" cy="1131840"/>
+            <a:ext cx="1131840" cy="1131480"/>
           </a:xfrm>
           <a:prstGeom prst="roundRect">
             <a:avLst>
@@ -9589,8 +9589,8 @@
         </p:nvSpPr>
         <p:spPr>
           <a:xfrm rot="16200000">
-            <a:off x="614880" y="919080"/>
-            <a:ext cx="3231720" cy="3313440"/>
+            <a:off x="614880" y="919440"/>
+            <a:ext cx="3231360" cy="3313080"/>
           </a:xfrm>
           <a:prstGeom prst="roundRect">
             <a:avLst>
@@ -9656,7 +9656,7 @@
         <p:spPr>
           <a:xfrm>
             <a:off x="4214160" y="456120"/>
-            <a:ext cx="4111560" cy="855000"/>
+            <a:ext cx="4111200" cy="854640"/>
           </a:xfrm>
           <a:prstGeom prst="rect">
             <a:avLst/>
@@ -9744,8 +9744,8 @@
         </p:nvSpPr>
         <p:spPr>
           <a:xfrm rot="2744400">
-            <a:off x="-280800" y="-25560"/>
-            <a:ext cx="704160" cy="703800"/>
+            <a:off x="-280080" y="-25560"/>
+            <a:ext cx="703800" cy="703440"/>
           </a:xfrm>
           <a:prstGeom prst="roundRect">
             <a:avLst>
@@ -9782,8 +9782,8 @@
         </p:nvSpPr>
         <p:spPr>
           <a:xfrm rot="2332200">
-            <a:off x="6009480" y="-319680"/>
-            <a:ext cx="4855320" cy="7726320"/>
+            <a:off x="6009120" y="-319680"/>
+            <a:ext cx="4854960" cy="7725960"/>
           </a:xfrm>
           <a:prstGeom prst="roundRect">
             <a:avLst>
@@ -9821,9 +9821,9 @@
         <p:grpSpPr>
           <a:xfrm>
             <a:off x="4571640" y="828000"/>
-            <a:ext cx="4467960" cy="3564000"/>
+            <a:ext cx="4467600" cy="3563640"/>
             <a:chOff x="4571640" y="828000"/>
-            <a:chExt cx="4467960" cy="3564000"/>
+            <a:chExt cx="4467600" cy="3563640"/>
           </a:xfrm>
         </p:grpSpPr>
         <p:pic>
@@ -9839,7 +9839,7 @@
           <p:spPr>
             <a:xfrm>
               <a:off x="4571640" y="828000"/>
-              <a:ext cx="4467960" cy="3564000"/>
+              <a:ext cx="4467600" cy="3563640"/>
             </a:xfrm>
             <a:prstGeom prst="rect">
               <a:avLst/>
@@ -9857,8 +9857,8 @@
           </p:nvSpPr>
           <p:spPr>
             <a:xfrm rot="16200000">
-              <a:off x="5962680" y="1159200"/>
-              <a:ext cx="1737000" cy="2770920"/>
+              <a:off x="5962680" y="1159560"/>
+              <a:ext cx="1736640" cy="2770560"/>
             </a:xfrm>
             <a:prstGeom prst="roundRect">
               <a:avLst>
@@ -9925,7 +9925,7 @@
         <p:spPr>
           <a:xfrm>
             <a:off x="5446080" y="1672200"/>
-            <a:ext cx="2770560" cy="1737000"/>
+            <a:ext cx="2770200" cy="1736640"/>
           </a:xfrm>
           <a:prstGeom prst="rect">
             <a:avLst/>
@@ -9977,7 +9977,7 @@
         <p:spPr>
           <a:xfrm>
             <a:off x="586440" y="1246680"/>
-            <a:ext cx="4003920" cy="3599640"/>
+            <a:ext cx="4003560" cy="3599280"/>
           </a:xfrm>
           <a:prstGeom prst="rect">
             <a:avLst/>
@@ -10029,7 +10029,7 @@
         <p:spPr>
           <a:xfrm>
             <a:off x="586440" y="453960"/>
-            <a:ext cx="4763880" cy="855000"/>
+            <a:ext cx="4763520" cy="854640"/>
           </a:xfrm>
           <a:prstGeom prst="rect">
             <a:avLst/>
@@ -10118,7 +10118,7 @@
         <p:spPr>
           <a:xfrm rot="2745600">
             <a:off x="8349840" y="-668160"/>
-            <a:ext cx="1497960" cy="1497960"/>
+            <a:ext cx="1497600" cy="1497600"/>
           </a:xfrm>
           <a:prstGeom prst="roundRect">
             <a:avLst>
@@ -10156,7 +10156,7 @@
         <p:spPr>
           <a:xfrm rot="2745600">
             <a:off x="7634160" y="-322200"/>
-            <a:ext cx="806760" cy="807120"/>
+            <a:ext cx="806400" cy="806760"/>
           </a:xfrm>
           <a:prstGeom prst="roundRect">
             <a:avLst>
@@ -10195,7 +10195,7 @@
         <p:spPr>
           <a:xfrm>
             <a:off x="586440" y="899640"/>
-            <a:ext cx="7931520" cy="1536840"/>
+            <a:ext cx="7931160" cy="1536480"/>
           </a:xfrm>
           <a:prstGeom prst="rect">
             <a:avLst/>
@@ -10247,7 +10247,7 @@
         <p:spPr>
           <a:xfrm>
             <a:off x="608040" y="2545560"/>
-            <a:ext cx="3711960" cy="2255400"/>
+            <a:ext cx="3711600" cy="2255040"/>
           </a:xfrm>
           <a:prstGeom prst="rect">
             <a:avLst/>
@@ -10299,7 +10299,7 @@
         <p:spPr>
           <a:xfrm>
             <a:off x="4806360" y="2545560"/>
-            <a:ext cx="3711960" cy="2255400"/>
+            <a:ext cx="3711600" cy="2255040"/>
           </a:xfrm>
           <a:prstGeom prst="rect">
             <a:avLst/>
@@ -10351,7 +10351,7 @@
         <p:spPr>
           <a:xfrm>
             <a:off x="583200" y="450720"/>
-            <a:ext cx="7197840" cy="511920"/>
+            <a:ext cx="7197480" cy="511560"/>
           </a:xfrm>
           <a:prstGeom prst="rect">
             <a:avLst/>
@@ -10433,7 +10433,7 @@
         <p:spPr>
           <a:xfrm>
             <a:off x="586440" y="1246680"/>
-            <a:ext cx="4003920" cy="3599640"/>
+            <a:ext cx="4003560" cy="3599280"/>
           </a:xfrm>
           <a:prstGeom prst="rect">
             <a:avLst/>
@@ -10485,7 +10485,7 @@
         <p:spPr>
           <a:xfrm>
             <a:off x="559800" y="446040"/>
-            <a:ext cx="4283280" cy="683280"/>
+            <a:ext cx="4282920" cy="682920"/>
           </a:xfrm>
           <a:prstGeom prst="rect">
             <a:avLst/>
@@ -10537,7 +10537,7 @@
         <p:spPr>
           <a:xfrm>
             <a:off x="5097600" y="360"/>
-            <a:ext cx="4379400" cy="5143680"/>
+            <a:ext cx="4379040" cy="5143320"/>
           </a:xfrm>
           <a:prstGeom prst="roundRect">
             <a:avLst>
@@ -10602,8 +10602,8 @@
         </p:nvSpPr>
         <p:spPr>
           <a:xfrm rot="2744400">
-            <a:off x="-280800" y="-25560"/>
-            <a:ext cx="704160" cy="703800"/>
+            <a:off x="-280080" y="-25560"/>
+            <a:ext cx="703800" cy="703440"/>
           </a:xfrm>
           <a:prstGeom prst="roundRect">
             <a:avLst>
@@ -10640,8 +10640,8 @@
         </p:nvSpPr>
         <p:spPr>
           <a:xfrm rot="2625600">
-            <a:off x="4861080" y="4146840"/>
-            <a:ext cx="468000" cy="468000"/>
+            <a:off x="4861080" y="4146480"/>
+            <a:ext cx="467640" cy="467640"/>
           </a:xfrm>
           <a:prstGeom prst="roundRect">
             <a:avLst>
@@ -10715,8 +10715,8 @@
         </p:nvSpPr>
         <p:spPr>
           <a:xfrm rot="2744400">
-            <a:off x="-349920" y="4539960"/>
-            <a:ext cx="704160" cy="703800"/>
+            <a:off x="-349200" y="4539600"/>
+            <a:ext cx="703800" cy="703440"/>
           </a:xfrm>
           <a:prstGeom prst="roundRect">
             <a:avLst>
@@ -10753,8 +10753,8 @@
         </p:nvSpPr>
         <p:spPr>
           <a:xfrm rot="19228200">
-            <a:off x="5846040" y="-2266200"/>
-            <a:ext cx="4854960" cy="7725960"/>
+            <a:off x="5845680" y="-2265840"/>
+            <a:ext cx="4854600" cy="7725600"/>
           </a:xfrm>
           <a:prstGeom prst="roundRect">
             <a:avLst>
@@ -10792,9 +10792,9 @@
         <p:grpSpPr>
           <a:xfrm>
             <a:off x="4571640" y="828000"/>
-            <a:ext cx="4467960" cy="3564000"/>
+            <a:ext cx="4467600" cy="3563640"/>
             <a:chOff x="4571640" y="828000"/>
-            <a:chExt cx="4467960" cy="3564000"/>
+            <a:chExt cx="4467600" cy="3563640"/>
           </a:xfrm>
         </p:grpSpPr>
         <p:pic>
@@ -10810,7 +10810,7 @@
           <p:spPr>
             <a:xfrm>
               <a:off x="4571640" y="828000"/>
-              <a:ext cx="4467960" cy="3564000"/>
+              <a:ext cx="4467600" cy="3563640"/>
             </a:xfrm>
             <a:prstGeom prst="rect">
               <a:avLst/>
@@ -10828,8 +10828,8 @@
           </p:nvSpPr>
           <p:spPr>
             <a:xfrm rot="16200000">
-              <a:off x="5962680" y="1159200"/>
-              <a:ext cx="1737000" cy="2770920"/>
+              <a:off x="5962680" y="1159560"/>
+              <a:ext cx="1736640" cy="2770560"/>
             </a:xfrm>
             <a:prstGeom prst="roundRect">
               <a:avLst>
@@ -10896,7 +10896,7 @@
         <p:spPr>
           <a:xfrm>
             <a:off x="586440" y="1246680"/>
-            <a:ext cx="4003920" cy="3599640"/>
+            <a:ext cx="4003560" cy="3599280"/>
           </a:xfrm>
           <a:prstGeom prst="rect">
             <a:avLst/>
@@ -10948,7 +10948,7 @@
         <p:spPr>
           <a:xfrm>
             <a:off x="5446080" y="1672200"/>
-            <a:ext cx="2779920" cy="1737000"/>
+            <a:ext cx="2779560" cy="1736640"/>
           </a:xfrm>
           <a:prstGeom prst="rect">
             <a:avLst/>
@@ -11000,7 +11000,7 @@
         <p:spPr>
           <a:xfrm>
             <a:off x="586440" y="453960"/>
-            <a:ext cx="3696480" cy="855000"/>
+            <a:ext cx="3696120" cy="854640"/>
           </a:xfrm>
           <a:prstGeom prst="rect">
             <a:avLst/>
@@ -11089,7 +11089,7 @@
         <p:spPr>
           <a:xfrm>
             <a:off x="4222080" y="1246680"/>
-            <a:ext cx="4114800" cy="3599640"/>
+            <a:ext cx="4114440" cy="3599280"/>
           </a:xfrm>
           <a:prstGeom prst="rect">
             <a:avLst/>
@@ -11140,8 +11140,8 @@
         </p:nvSpPr>
         <p:spPr>
           <a:xfrm rot="16200000">
-            <a:off x="-2181600" y="1733760"/>
-            <a:ext cx="5143680" cy="1683720"/>
+            <a:off x="-2181600" y="1734120"/>
+            <a:ext cx="5143320" cy="1683360"/>
           </a:xfrm>
           <a:prstGeom prst="roundRect">
             <a:avLst>
@@ -11179,7 +11179,7 @@
         <p:spPr>
           <a:xfrm rot="2745000">
             <a:off x="8575200" y="103320"/>
-            <a:ext cx="1132200" cy="1131840"/>
+            <a:ext cx="1131840" cy="1131480"/>
           </a:xfrm>
           <a:prstGeom prst="roundRect">
             <a:avLst>
@@ -11216,8 +11216,8 @@
         </p:nvSpPr>
         <p:spPr>
           <a:xfrm rot="16200000">
-            <a:off x="614880" y="919080"/>
-            <a:ext cx="3231720" cy="3313440"/>
+            <a:off x="614880" y="919440"/>
+            <a:ext cx="3231360" cy="3313080"/>
           </a:xfrm>
           <a:prstGeom prst="roundRect">
             <a:avLst>
@@ -11283,7 +11283,7 @@
         <p:spPr>
           <a:xfrm>
             <a:off x="4214160" y="456120"/>
-            <a:ext cx="4111560" cy="855000"/>
+            <a:ext cx="4111200" cy="854640"/>
           </a:xfrm>
           <a:prstGeom prst="rect">
             <a:avLst/>
@@ -11365,7 +11365,7 @@
         <p:spPr>
           <a:xfrm>
             <a:off x="586440" y="1246680"/>
-            <a:ext cx="4003920" cy="3599640"/>
+            <a:ext cx="4003560" cy="3599280"/>
           </a:xfrm>
           <a:prstGeom prst="rect">
             <a:avLst/>
@@ -11417,7 +11417,7 @@
         <p:spPr>
           <a:xfrm>
             <a:off x="559800" y="446040"/>
-            <a:ext cx="4283280" cy="683280"/>
+            <a:ext cx="4282920" cy="682920"/>
           </a:xfrm>
           <a:prstGeom prst="rect">
             <a:avLst/>
@@ -11469,7 +11469,7 @@
         <p:spPr>
           <a:xfrm>
             <a:off x="5097600" y="360"/>
-            <a:ext cx="4379400" cy="5143680"/>
+            <a:ext cx="4379040" cy="5143320"/>
           </a:xfrm>
           <a:prstGeom prst="roundRect">
             <a:avLst>
@@ -11534,8 +11534,8 @@
         </p:nvSpPr>
         <p:spPr>
           <a:xfrm rot="2744400">
-            <a:off x="-280800" y="-25560"/>
-            <a:ext cx="704160" cy="703800"/>
+            <a:off x="-280080" y="-25560"/>
+            <a:ext cx="703800" cy="703440"/>
           </a:xfrm>
           <a:prstGeom prst="roundRect">
             <a:avLst>
@@ -11572,8 +11572,8 @@
         </p:nvSpPr>
         <p:spPr>
           <a:xfrm rot="2625600">
-            <a:off x="4861080" y="4146840"/>
-            <a:ext cx="468000" cy="468000"/>
+            <a:off x="4861080" y="4146480"/>
+            <a:ext cx="467640" cy="467640"/>
           </a:xfrm>
           <a:prstGeom prst="roundRect">
             <a:avLst>
@@ -11647,8 +11647,8 @@
         </p:nvSpPr>
         <p:spPr>
           <a:xfrm rot="2744400">
-            <a:off x="-280800" y="-25560"/>
-            <a:ext cx="704160" cy="703800"/>
+            <a:off x="-280080" y="-25560"/>
+            <a:ext cx="703800" cy="703440"/>
           </a:xfrm>
           <a:prstGeom prst="roundRect">
             <a:avLst>
@@ -11685,8 +11685,8 @@
         </p:nvSpPr>
         <p:spPr>
           <a:xfrm rot="2332200">
-            <a:off x="6009480" y="-319680"/>
-            <a:ext cx="4855320" cy="7726320"/>
+            <a:off x="6009120" y="-319680"/>
+            <a:ext cx="4854960" cy="7725960"/>
           </a:xfrm>
           <a:prstGeom prst="roundRect">
             <a:avLst>
@@ -11724,9 +11724,9 @@
         <p:grpSpPr>
           <a:xfrm>
             <a:off x="4571640" y="828000"/>
-            <a:ext cx="4467960" cy="3564000"/>
+            <a:ext cx="4467600" cy="3563640"/>
             <a:chOff x="4571640" y="828000"/>
-            <a:chExt cx="4467960" cy="3564000"/>
+            <a:chExt cx="4467600" cy="3563640"/>
           </a:xfrm>
         </p:grpSpPr>
         <p:pic>
@@ -11742,7 +11742,7 @@
           <p:spPr>
             <a:xfrm>
               <a:off x="4571640" y="828000"/>
-              <a:ext cx="4467960" cy="3564000"/>
+              <a:ext cx="4467600" cy="3563640"/>
             </a:xfrm>
             <a:prstGeom prst="rect">
               <a:avLst/>
@@ -11760,8 +11760,8 @@
           </p:nvSpPr>
           <p:spPr>
             <a:xfrm rot="16200000">
-              <a:off x="5962680" y="1159200"/>
-              <a:ext cx="1737000" cy="2770920"/>
+              <a:off x="5962680" y="1159560"/>
+              <a:ext cx="1736640" cy="2770560"/>
             </a:xfrm>
             <a:prstGeom prst="roundRect">
               <a:avLst>
@@ -11828,7 +11828,7 @@
         <p:spPr>
           <a:xfrm>
             <a:off x="5446080" y="1672200"/>
-            <a:ext cx="2770560" cy="1737000"/>
+            <a:ext cx="2770200" cy="1736640"/>
           </a:xfrm>
           <a:prstGeom prst="rect">
             <a:avLst/>
@@ -11880,7 +11880,7 @@
         <p:spPr>
           <a:xfrm>
             <a:off x="586440" y="1246680"/>
-            <a:ext cx="4003920" cy="3599640"/>
+            <a:ext cx="4003560" cy="3599280"/>
           </a:xfrm>
           <a:prstGeom prst="rect">
             <a:avLst/>
@@ -11932,7 +11932,7 @@
         <p:spPr>
           <a:xfrm>
             <a:off x="586440" y="453960"/>
-            <a:ext cx="4763880" cy="855000"/>
+            <a:ext cx="4763520" cy="854640"/>
           </a:xfrm>
           <a:prstGeom prst="rect">
             <a:avLst/>
@@ -12021,7 +12021,7 @@
         <p:spPr>
           <a:xfrm rot="2745600">
             <a:off x="8349840" y="-668160"/>
-            <a:ext cx="1497960" cy="1497960"/>
+            <a:ext cx="1497600" cy="1497600"/>
           </a:xfrm>
           <a:prstGeom prst="roundRect">
             <a:avLst>
@@ -12059,7 +12059,7 @@
         <p:spPr>
           <a:xfrm rot="2745600">
             <a:off x="7634160" y="-322200"/>
-            <a:ext cx="806760" cy="807120"/>
+            <a:ext cx="806400" cy="806760"/>
           </a:xfrm>
           <a:prstGeom prst="roundRect">
             <a:avLst>
@@ -12098,7 +12098,7 @@
         <p:spPr>
           <a:xfrm>
             <a:off x="586440" y="899640"/>
-            <a:ext cx="7931520" cy="1536840"/>
+            <a:ext cx="7931160" cy="1536480"/>
           </a:xfrm>
           <a:prstGeom prst="rect">
             <a:avLst/>
@@ -12150,7 +12150,7 @@
         <p:spPr>
           <a:xfrm>
             <a:off x="608040" y="2545560"/>
-            <a:ext cx="3711960" cy="2255400"/>
+            <a:ext cx="3711600" cy="2255040"/>
           </a:xfrm>
           <a:prstGeom prst="rect">
             <a:avLst/>
@@ -12202,7 +12202,7 @@
         <p:spPr>
           <a:xfrm>
             <a:off x="4806360" y="2545560"/>
-            <a:ext cx="3711960" cy="2255400"/>
+            <a:ext cx="3711600" cy="2255040"/>
           </a:xfrm>
           <a:prstGeom prst="rect">
             <a:avLst/>
@@ -12254,7 +12254,7 @@
         <p:spPr>
           <a:xfrm>
             <a:off x="583200" y="450720"/>
-            <a:ext cx="7197840" cy="511920"/>
+            <a:ext cx="7197480" cy="511560"/>
           </a:xfrm>
           <a:prstGeom prst="rect">
             <a:avLst/>
@@ -12336,7 +12336,7 @@
         <p:spPr>
           <a:xfrm>
             <a:off x="586440" y="1246680"/>
-            <a:ext cx="4003920" cy="3599640"/>
+            <a:ext cx="4003560" cy="3599280"/>
           </a:xfrm>
           <a:prstGeom prst="rect">
             <a:avLst/>
@@ -12388,7 +12388,7 @@
         <p:spPr>
           <a:xfrm>
             <a:off x="559800" y="446040"/>
-            <a:ext cx="4283280" cy="683280"/>
+            <a:ext cx="4282920" cy="682920"/>
           </a:xfrm>
           <a:prstGeom prst="rect">
             <a:avLst/>
@@ -12440,7 +12440,7 @@
         <p:spPr>
           <a:xfrm>
             <a:off x="5097600" y="360"/>
-            <a:ext cx="4379400" cy="5143680"/>
+            <a:ext cx="4379040" cy="5143320"/>
           </a:xfrm>
           <a:prstGeom prst="roundRect">
             <a:avLst>
@@ -12505,8 +12505,8 @@
         </p:nvSpPr>
         <p:spPr>
           <a:xfrm rot="2744400">
-            <a:off x="-280800" y="-25560"/>
-            <a:ext cx="704160" cy="703800"/>
+            <a:off x="-280080" y="-25560"/>
+            <a:ext cx="703800" cy="703440"/>
           </a:xfrm>
           <a:prstGeom prst="roundRect">
             <a:avLst>
@@ -12543,8 +12543,8 @@
         </p:nvSpPr>
         <p:spPr>
           <a:xfrm rot="2625600">
-            <a:off x="4861080" y="4146840"/>
-            <a:ext cx="468000" cy="468000"/>
+            <a:off x="4861080" y="4146480"/>
+            <a:ext cx="467640" cy="467640"/>
           </a:xfrm>
           <a:prstGeom prst="roundRect">
             <a:avLst>
@@ -12618,8 +12618,8 @@
         </p:nvSpPr>
         <p:spPr>
           <a:xfrm rot="2744400">
-            <a:off x="-349920" y="4539960"/>
-            <a:ext cx="704160" cy="703800"/>
+            <a:off x="-349200" y="4539600"/>
+            <a:ext cx="703800" cy="703440"/>
           </a:xfrm>
           <a:prstGeom prst="roundRect">
             <a:avLst>
@@ -12656,8 +12656,8 @@
         </p:nvSpPr>
         <p:spPr>
           <a:xfrm rot="19228200">
-            <a:off x="5846040" y="-2266200"/>
-            <a:ext cx="4854960" cy="7725960"/>
+            <a:off x="5845680" y="-2265840"/>
+            <a:ext cx="4854600" cy="7725600"/>
           </a:xfrm>
           <a:prstGeom prst="roundRect">
             <a:avLst>
@@ -12695,9 +12695,9 @@
         <p:grpSpPr>
           <a:xfrm>
             <a:off x="4571640" y="828000"/>
-            <a:ext cx="4467960" cy="3564000"/>
+            <a:ext cx="4467600" cy="3563640"/>
             <a:chOff x="4571640" y="828000"/>
-            <a:chExt cx="4467960" cy="3564000"/>
+            <a:chExt cx="4467600" cy="3563640"/>
           </a:xfrm>
         </p:grpSpPr>
         <p:pic>
@@ -12713,7 +12713,7 @@
           <p:spPr>
             <a:xfrm>
               <a:off x="4571640" y="828000"/>
-              <a:ext cx="4467960" cy="3564000"/>
+              <a:ext cx="4467600" cy="3563640"/>
             </a:xfrm>
             <a:prstGeom prst="rect">
               <a:avLst/>
@@ -12731,8 +12731,8 @@
           </p:nvSpPr>
           <p:spPr>
             <a:xfrm rot="16200000">
-              <a:off x="5962680" y="1159200"/>
-              <a:ext cx="1737000" cy="2770920"/>
+              <a:off x="5962680" y="1159560"/>
+              <a:ext cx="1736640" cy="2770560"/>
             </a:xfrm>
             <a:prstGeom prst="roundRect">
               <a:avLst>
@@ -12799,7 +12799,7 @@
         <p:spPr>
           <a:xfrm>
             <a:off x="586440" y="1246680"/>
-            <a:ext cx="4003920" cy="3599640"/>
+            <a:ext cx="4003560" cy="3599280"/>
           </a:xfrm>
           <a:prstGeom prst="rect">
             <a:avLst/>
@@ -12851,7 +12851,7 @@
         <p:spPr>
           <a:xfrm>
             <a:off x="5446080" y="1672200"/>
-            <a:ext cx="2779920" cy="1737000"/>
+            <a:ext cx="2779560" cy="1736640"/>
           </a:xfrm>
           <a:prstGeom prst="rect">
             <a:avLst/>
@@ -12903,7 +12903,7 @@
         <p:spPr>
           <a:xfrm>
             <a:off x="586440" y="453960"/>
-            <a:ext cx="3696480" cy="855000"/>
+            <a:ext cx="3696120" cy="854640"/>
           </a:xfrm>
           <a:prstGeom prst="rect">
             <a:avLst/>
@@ -12992,7 +12992,7 @@
         <p:spPr>
           <a:xfrm>
             <a:off x="4222080" y="1246680"/>
-            <a:ext cx="4114800" cy="3599640"/>
+            <a:ext cx="4114440" cy="3599280"/>
           </a:xfrm>
           <a:prstGeom prst="rect">
             <a:avLst/>
@@ -13043,8 +13043,8 @@
         </p:nvSpPr>
         <p:spPr>
           <a:xfrm rot="16200000">
-            <a:off x="-2181600" y="1733760"/>
-            <a:ext cx="5143680" cy="1683720"/>
+            <a:off x="-2181600" y="1734120"/>
+            <a:ext cx="5143320" cy="1683360"/>
           </a:xfrm>
           <a:prstGeom prst="roundRect">
             <a:avLst>
@@ -13082,7 +13082,7 @@
         <p:spPr>
           <a:xfrm rot="2745000">
             <a:off x="8575200" y="103320"/>
-            <a:ext cx="1132200" cy="1131840"/>
+            <a:ext cx="1131840" cy="1131480"/>
           </a:xfrm>
           <a:prstGeom prst="roundRect">
             <a:avLst>
@@ -13119,8 +13119,8 @@
         </p:nvSpPr>
         <p:spPr>
           <a:xfrm rot="16200000">
-            <a:off x="614880" y="919080"/>
-            <a:ext cx="3231720" cy="3313440"/>
+            <a:off x="614880" y="919440"/>
+            <a:ext cx="3231360" cy="3313080"/>
           </a:xfrm>
           <a:prstGeom prst="roundRect">
             <a:avLst>
@@ -13186,7 +13186,7 @@
         <p:spPr>
           <a:xfrm>
             <a:off x="4214160" y="456120"/>
-            <a:ext cx="4111560" cy="855000"/>
+            <a:ext cx="4111200" cy="854640"/>
           </a:xfrm>
           <a:prstGeom prst="rect">
             <a:avLst/>
@@ -13274,8 +13274,8 @@
         </p:nvSpPr>
         <p:spPr>
           <a:xfrm rot="2744400">
-            <a:off x="-280800" y="-25560"/>
-            <a:ext cx="704160" cy="703800"/>
+            <a:off x="-280080" y="-25560"/>
+            <a:ext cx="703800" cy="703440"/>
           </a:xfrm>
           <a:prstGeom prst="roundRect">
             <a:avLst>
@@ -13312,8 +13312,8 @@
         </p:nvSpPr>
         <p:spPr>
           <a:xfrm rot="2332200">
-            <a:off x="6009480" y="-319680"/>
-            <a:ext cx="4855320" cy="7726320"/>
+            <a:off x="6009120" y="-319680"/>
+            <a:ext cx="4854960" cy="7725960"/>
           </a:xfrm>
           <a:prstGeom prst="roundRect">
             <a:avLst>
@@ -13351,9 +13351,9 @@
         <p:grpSpPr>
           <a:xfrm>
             <a:off x="4571640" y="828000"/>
-            <a:ext cx="4467960" cy="3564000"/>
+            <a:ext cx="4467600" cy="3563640"/>
             <a:chOff x="4571640" y="828000"/>
-            <a:chExt cx="4467960" cy="3564000"/>
+            <a:chExt cx="4467600" cy="3563640"/>
           </a:xfrm>
         </p:grpSpPr>
         <p:pic>
@@ -13369,7 +13369,7 @@
           <p:spPr>
             <a:xfrm>
               <a:off x="4571640" y="828000"/>
-              <a:ext cx="4467960" cy="3564000"/>
+              <a:ext cx="4467600" cy="3563640"/>
             </a:xfrm>
             <a:prstGeom prst="rect">
               <a:avLst/>
@@ -13387,8 +13387,8 @@
           </p:nvSpPr>
           <p:spPr>
             <a:xfrm rot="16200000">
-              <a:off x="5962680" y="1159200"/>
-              <a:ext cx="1737000" cy="2770920"/>
+              <a:off x="5962680" y="1159560"/>
+              <a:ext cx="1736640" cy="2770560"/>
             </a:xfrm>
             <a:prstGeom prst="roundRect">
               <a:avLst>
@@ -13455,7 +13455,7 @@
         <p:spPr>
           <a:xfrm>
             <a:off x="5446080" y="1672200"/>
-            <a:ext cx="2770560" cy="1737000"/>
+            <a:ext cx="2770200" cy="1736640"/>
           </a:xfrm>
           <a:prstGeom prst="rect">
             <a:avLst/>
@@ -13507,7 +13507,7 @@
         <p:spPr>
           <a:xfrm>
             <a:off x="586440" y="1246680"/>
-            <a:ext cx="4003920" cy="3599640"/>
+            <a:ext cx="4003560" cy="3599280"/>
           </a:xfrm>
           <a:prstGeom prst="rect">
             <a:avLst/>
@@ -13559,7 +13559,7 @@
         <p:spPr>
           <a:xfrm>
             <a:off x="586440" y="453960"/>
-            <a:ext cx="4763880" cy="855000"/>
+            <a:ext cx="4763520" cy="854640"/>
           </a:xfrm>
           <a:prstGeom prst="rect">
             <a:avLst/>
@@ -13648,7 +13648,7 @@
         <p:spPr>
           <a:xfrm rot="2745600">
             <a:off x="8349840" y="-668160"/>
-            <a:ext cx="1497960" cy="1497960"/>
+            <a:ext cx="1497600" cy="1497600"/>
           </a:xfrm>
           <a:prstGeom prst="roundRect">
             <a:avLst>
@@ -13686,7 +13686,7 @@
         <p:spPr>
           <a:xfrm rot="2745600">
             <a:off x="7634160" y="-322200"/>
-            <a:ext cx="806760" cy="807120"/>
+            <a:ext cx="806400" cy="806760"/>
           </a:xfrm>
           <a:prstGeom prst="roundRect">
             <a:avLst>
@@ -13725,7 +13725,7 @@
         <p:spPr>
           <a:xfrm>
             <a:off x="586440" y="899640"/>
-            <a:ext cx="7931520" cy="1536840"/>
+            <a:ext cx="7931160" cy="1536480"/>
           </a:xfrm>
           <a:prstGeom prst="rect">
             <a:avLst/>
@@ -13777,7 +13777,7 @@
         <p:spPr>
           <a:xfrm>
             <a:off x="608040" y="2545560"/>
-            <a:ext cx="3711960" cy="2255400"/>
+            <a:ext cx="3711600" cy="2255040"/>
           </a:xfrm>
           <a:prstGeom prst="rect">
             <a:avLst/>
@@ -13829,7 +13829,7 @@
         <p:spPr>
           <a:xfrm>
             <a:off x="4806360" y="2545560"/>
-            <a:ext cx="3711960" cy="2255400"/>
+            <a:ext cx="3711600" cy="2255040"/>
           </a:xfrm>
           <a:prstGeom prst="rect">
             <a:avLst/>
@@ -13881,7 +13881,7 @@
         <p:spPr>
           <a:xfrm>
             <a:off x="583200" y="450720"/>
-            <a:ext cx="7197840" cy="511920"/>
+            <a:ext cx="7197480" cy="511560"/>
           </a:xfrm>
           <a:prstGeom prst="rect">
             <a:avLst/>
@@ -13963,7 +13963,7 @@
         <p:spPr>
           <a:xfrm>
             <a:off x="586440" y="1246680"/>
-            <a:ext cx="4003920" cy="3599640"/>
+            <a:ext cx="4003560" cy="3599280"/>
           </a:xfrm>
           <a:prstGeom prst="rect">
             <a:avLst/>
@@ -14015,7 +14015,7 @@
         <p:spPr>
           <a:xfrm>
             <a:off x="559800" y="446040"/>
-            <a:ext cx="4283280" cy="683280"/>
+            <a:ext cx="4282920" cy="682920"/>
           </a:xfrm>
           <a:prstGeom prst="rect">
             <a:avLst/>
@@ -14067,7 +14067,7 @@
         <p:spPr>
           <a:xfrm>
             <a:off x="5097600" y="360"/>
-            <a:ext cx="4379400" cy="5143680"/>
+            <a:ext cx="4379040" cy="5143320"/>
           </a:xfrm>
           <a:prstGeom prst="roundRect">
             <a:avLst>
@@ -14132,8 +14132,8 @@
         </p:nvSpPr>
         <p:spPr>
           <a:xfrm rot="2744400">
-            <a:off x="-280800" y="-25560"/>
-            <a:ext cx="704160" cy="703800"/>
+            <a:off x="-280080" y="-25560"/>
+            <a:ext cx="703800" cy="703440"/>
           </a:xfrm>
           <a:prstGeom prst="roundRect">
             <a:avLst>
@@ -14170,8 +14170,8 @@
         </p:nvSpPr>
         <p:spPr>
           <a:xfrm rot="2625600">
-            <a:off x="4861080" y="4146840"/>
-            <a:ext cx="468000" cy="468000"/>
+            <a:off x="4861080" y="4146480"/>
+            <a:ext cx="467640" cy="467640"/>
           </a:xfrm>
           <a:prstGeom prst="roundRect">
             <a:avLst>
@@ -14245,8 +14245,8 @@
         </p:nvSpPr>
         <p:spPr>
           <a:xfrm rot="2744400">
-            <a:off x="-349920" y="4539960"/>
-            <a:ext cx="704160" cy="703800"/>
+            <a:off x="-349200" y="4539600"/>
+            <a:ext cx="703800" cy="703440"/>
           </a:xfrm>
           <a:prstGeom prst="roundRect">
             <a:avLst>
@@ -14283,8 +14283,8 @@
         </p:nvSpPr>
         <p:spPr>
           <a:xfrm rot="19228200">
-            <a:off x="5846040" y="-2266200"/>
-            <a:ext cx="4854960" cy="7725960"/>
+            <a:off x="5845680" y="-2265840"/>
+            <a:ext cx="4854600" cy="7725600"/>
           </a:xfrm>
           <a:prstGeom prst="roundRect">
             <a:avLst>
@@ -14322,9 +14322,9 @@
         <p:grpSpPr>
           <a:xfrm>
             <a:off x="4571640" y="828000"/>
-            <a:ext cx="4467960" cy="3564000"/>
+            <a:ext cx="4467600" cy="3563640"/>
             <a:chOff x="4571640" y="828000"/>
-            <a:chExt cx="4467960" cy="3564000"/>
+            <a:chExt cx="4467600" cy="3563640"/>
           </a:xfrm>
         </p:grpSpPr>
         <p:pic>
@@ -14340,7 +14340,7 @@
           <p:spPr>
             <a:xfrm>
               <a:off x="4571640" y="828000"/>
-              <a:ext cx="4467960" cy="3564000"/>
+              <a:ext cx="4467600" cy="3563640"/>
             </a:xfrm>
             <a:prstGeom prst="rect">
               <a:avLst/>
@@ -14358,8 +14358,8 @@
           </p:nvSpPr>
           <p:spPr>
             <a:xfrm rot="16200000">
-              <a:off x="5962680" y="1159200"/>
-              <a:ext cx="1737000" cy="2770920"/>
+              <a:off x="5962680" y="1159560"/>
+              <a:ext cx="1736640" cy="2770560"/>
             </a:xfrm>
             <a:prstGeom prst="roundRect">
               <a:avLst>
@@ -14426,7 +14426,7 @@
         <p:spPr>
           <a:xfrm>
             <a:off x="586440" y="1246680"/>
-            <a:ext cx="4003920" cy="3599640"/>
+            <a:ext cx="4003560" cy="3599280"/>
           </a:xfrm>
           <a:prstGeom prst="rect">
             <a:avLst/>
@@ -14478,7 +14478,7 @@
         <p:spPr>
           <a:xfrm>
             <a:off x="5446080" y="1672200"/>
-            <a:ext cx="2779920" cy="1737000"/>
+            <a:ext cx="2779560" cy="1736640"/>
           </a:xfrm>
           <a:prstGeom prst="rect">
             <a:avLst/>
@@ -14530,7 +14530,7 @@
         <p:spPr>
           <a:xfrm>
             <a:off x="586440" y="453960"/>
-            <a:ext cx="3696480" cy="855000"/>
+            <a:ext cx="3696120" cy="854640"/>
           </a:xfrm>
           <a:prstGeom prst="rect">
             <a:avLst/>
@@ -14619,7 +14619,7 @@
         <p:spPr>
           <a:xfrm>
             <a:off x="4222080" y="1246680"/>
-            <a:ext cx="4114800" cy="3599640"/>
+            <a:ext cx="4114440" cy="3599280"/>
           </a:xfrm>
           <a:prstGeom prst="rect">
             <a:avLst/>
@@ -14670,8 +14670,8 @@
         </p:nvSpPr>
         <p:spPr>
           <a:xfrm rot="16200000">
-            <a:off x="-2181600" y="1733760"/>
-            <a:ext cx="5143680" cy="1683720"/>
+            <a:off x="-2181600" y="1734120"/>
+            <a:ext cx="5143320" cy="1683360"/>
           </a:xfrm>
           <a:prstGeom prst="roundRect">
             <a:avLst>
@@ -14709,7 +14709,7 @@
         <p:spPr>
           <a:xfrm rot="2745000">
             <a:off x="8575200" y="103320"/>
-            <a:ext cx="1132200" cy="1131840"/>
+            <a:ext cx="1131840" cy="1131480"/>
           </a:xfrm>
           <a:prstGeom prst="roundRect">
             <a:avLst>
@@ -14746,8 +14746,8 @@
         </p:nvSpPr>
         <p:spPr>
           <a:xfrm rot="16200000">
-            <a:off x="614880" y="919080"/>
-            <a:ext cx="3231720" cy="3313440"/>
+            <a:off x="614880" y="919440"/>
+            <a:ext cx="3231360" cy="3313080"/>
           </a:xfrm>
           <a:prstGeom prst="roundRect">
             <a:avLst>
@@ -14813,7 +14813,7 @@
         <p:spPr>
           <a:xfrm>
             <a:off x="4214160" y="456120"/>
-            <a:ext cx="4111560" cy="855000"/>
+            <a:ext cx="4111200" cy="854640"/>
           </a:xfrm>
           <a:prstGeom prst="rect">
             <a:avLst/>
@@ -14901,8 +14901,8 @@
         </p:nvSpPr>
         <p:spPr>
           <a:xfrm rot="2744400">
-            <a:off x="-349920" y="4539960"/>
-            <a:ext cx="704160" cy="703800"/>
+            <a:off x="-349200" y="4539600"/>
+            <a:ext cx="703800" cy="703440"/>
           </a:xfrm>
           <a:prstGeom prst="roundRect">
             <a:avLst>
@@ -14939,8 +14939,8 @@
         </p:nvSpPr>
         <p:spPr>
           <a:xfrm rot="19228200">
-            <a:off x="5846040" y="-2266200"/>
-            <a:ext cx="4854960" cy="7725960"/>
+            <a:off x="5845680" y="-2265840"/>
+            <a:ext cx="4854600" cy="7725600"/>
           </a:xfrm>
           <a:prstGeom prst="roundRect">
             <a:avLst>
@@ -14978,9 +14978,9 @@
         <p:grpSpPr>
           <a:xfrm>
             <a:off x="4571640" y="828000"/>
-            <a:ext cx="4467960" cy="3564000"/>
+            <a:ext cx="4467600" cy="3563640"/>
             <a:chOff x="4571640" y="828000"/>
-            <a:chExt cx="4467960" cy="3564000"/>
+            <a:chExt cx="4467600" cy="3563640"/>
           </a:xfrm>
         </p:grpSpPr>
         <p:pic>
@@ -14996,7 +14996,7 @@
           <p:spPr>
             <a:xfrm>
               <a:off x="4571640" y="828000"/>
-              <a:ext cx="4467960" cy="3564000"/>
+              <a:ext cx="4467600" cy="3563640"/>
             </a:xfrm>
             <a:prstGeom prst="rect">
               <a:avLst/>
@@ -15014,8 +15014,8 @@
           </p:nvSpPr>
           <p:spPr>
             <a:xfrm rot="16200000">
-              <a:off x="5962680" y="1159200"/>
-              <a:ext cx="1737000" cy="2770920"/>
+              <a:off x="5962680" y="1159560"/>
+              <a:ext cx="1736640" cy="2770560"/>
             </a:xfrm>
             <a:prstGeom prst="roundRect">
               <a:avLst>
@@ -15082,7 +15082,7 @@
         <p:spPr>
           <a:xfrm>
             <a:off x="586440" y="1246680"/>
-            <a:ext cx="4003920" cy="3599640"/>
+            <a:ext cx="4003560" cy="3599280"/>
           </a:xfrm>
           <a:prstGeom prst="rect">
             <a:avLst/>
@@ -15134,7 +15134,7 @@
         <p:spPr>
           <a:xfrm>
             <a:off x="5446080" y="1672200"/>
-            <a:ext cx="2779920" cy="1737000"/>
+            <a:ext cx="2779560" cy="1736640"/>
           </a:xfrm>
           <a:prstGeom prst="rect">
             <a:avLst/>
@@ -15186,7 +15186,7 @@
         <p:spPr>
           <a:xfrm>
             <a:off x="586440" y="453960"/>
-            <a:ext cx="3696480" cy="855000"/>
+            <a:ext cx="3696120" cy="854640"/>
           </a:xfrm>
           <a:prstGeom prst="rect">
             <a:avLst/>
@@ -15274,8 +15274,8 @@
         </p:nvSpPr>
         <p:spPr>
           <a:xfrm rot="2744400">
-            <a:off x="-280800" y="-25560"/>
-            <a:ext cx="704160" cy="703800"/>
+            <a:off x="-280080" y="-25560"/>
+            <a:ext cx="703800" cy="703440"/>
           </a:xfrm>
           <a:prstGeom prst="roundRect">
             <a:avLst>
@@ -15312,8 +15312,8 @@
         </p:nvSpPr>
         <p:spPr>
           <a:xfrm rot="2332200">
-            <a:off x="6009480" y="-319680"/>
-            <a:ext cx="4855320" cy="7726320"/>
+            <a:off x="6009120" y="-319680"/>
+            <a:ext cx="4854960" cy="7725960"/>
           </a:xfrm>
           <a:prstGeom prst="roundRect">
             <a:avLst>
@@ -15351,9 +15351,9 @@
         <p:grpSpPr>
           <a:xfrm>
             <a:off x="4571640" y="828000"/>
-            <a:ext cx="4467960" cy="3564000"/>
+            <a:ext cx="4467600" cy="3563640"/>
             <a:chOff x="4571640" y="828000"/>
-            <a:chExt cx="4467960" cy="3564000"/>
+            <a:chExt cx="4467600" cy="3563640"/>
           </a:xfrm>
         </p:grpSpPr>
         <p:pic>
@@ -15369,7 +15369,7 @@
           <p:spPr>
             <a:xfrm>
               <a:off x="4571640" y="828000"/>
-              <a:ext cx="4467960" cy="3564000"/>
+              <a:ext cx="4467600" cy="3563640"/>
             </a:xfrm>
             <a:prstGeom prst="rect">
               <a:avLst/>
@@ -15387,8 +15387,8 @@
           </p:nvSpPr>
           <p:spPr>
             <a:xfrm rot="16200000">
-              <a:off x="5962680" y="1159200"/>
-              <a:ext cx="1737000" cy="2770920"/>
+              <a:off x="5962680" y="1159560"/>
+              <a:ext cx="1736640" cy="2770560"/>
             </a:xfrm>
             <a:prstGeom prst="roundRect">
               <a:avLst>
@@ -15455,7 +15455,7 @@
         <p:spPr>
           <a:xfrm>
             <a:off x="5446080" y="1672200"/>
-            <a:ext cx="2770560" cy="1737000"/>
+            <a:ext cx="2770200" cy="1736640"/>
           </a:xfrm>
           <a:prstGeom prst="rect">
             <a:avLst/>
@@ -15507,7 +15507,7 @@
         <p:spPr>
           <a:xfrm>
             <a:off x="586440" y="1246680"/>
-            <a:ext cx="4003920" cy="3599640"/>
+            <a:ext cx="4003560" cy="3599280"/>
           </a:xfrm>
           <a:prstGeom prst="rect">
             <a:avLst/>
@@ -15559,7 +15559,7 @@
         <p:spPr>
           <a:xfrm>
             <a:off x="586440" y="453960"/>
-            <a:ext cx="4763880" cy="855000"/>
+            <a:ext cx="4763520" cy="854640"/>
           </a:xfrm>
           <a:prstGeom prst="rect">
             <a:avLst/>
@@ -15648,7 +15648,7 @@
         <p:spPr>
           <a:xfrm rot="2745600">
             <a:off x="8349840" y="-668160"/>
-            <a:ext cx="1497960" cy="1497960"/>
+            <a:ext cx="1497600" cy="1497600"/>
           </a:xfrm>
           <a:prstGeom prst="roundRect">
             <a:avLst>
@@ -15686,7 +15686,7 @@
         <p:spPr>
           <a:xfrm rot="2745600">
             <a:off x="7634160" y="-322200"/>
-            <a:ext cx="806760" cy="807120"/>
+            <a:ext cx="806400" cy="806760"/>
           </a:xfrm>
           <a:prstGeom prst="roundRect">
             <a:avLst>
@@ -15725,7 +15725,7 @@
         <p:spPr>
           <a:xfrm>
             <a:off x="586440" y="899640"/>
-            <a:ext cx="7931520" cy="1536840"/>
+            <a:ext cx="7931160" cy="1536480"/>
           </a:xfrm>
           <a:prstGeom prst="rect">
             <a:avLst/>
@@ -15777,7 +15777,7 @@
         <p:spPr>
           <a:xfrm>
             <a:off x="608040" y="2545560"/>
-            <a:ext cx="3711960" cy="2255400"/>
+            <a:ext cx="3711600" cy="2255040"/>
           </a:xfrm>
           <a:prstGeom prst="rect">
             <a:avLst/>
@@ -15829,7 +15829,7 @@
         <p:spPr>
           <a:xfrm>
             <a:off x="4806360" y="2545560"/>
-            <a:ext cx="3711960" cy="2255400"/>
+            <a:ext cx="3711600" cy="2255040"/>
           </a:xfrm>
           <a:prstGeom prst="rect">
             <a:avLst/>
@@ -15881,7 +15881,7 @@
         <p:spPr>
           <a:xfrm>
             <a:off x="583200" y="450720"/>
-            <a:ext cx="7197840" cy="511920"/>
+            <a:ext cx="7197480" cy="511560"/>
           </a:xfrm>
           <a:prstGeom prst="rect">
             <a:avLst/>
@@ -15963,7 +15963,7 @@
         <p:spPr>
           <a:xfrm>
             <a:off x="586440" y="1246680"/>
-            <a:ext cx="4003920" cy="3599640"/>
+            <a:ext cx="4003560" cy="3599280"/>
           </a:xfrm>
           <a:prstGeom prst="rect">
             <a:avLst/>
@@ -16015,7 +16015,7 @@
         <p:spPr>
           <a:xfrm>
             <a:off x="559800" y="446040"/>
-            <a:ext cx="4283280" cy="683280"/>
+            <a:ext cx="4282920" cy="682920"/>
           </a:xfrm>
           <a:prstGeom prst="rect">
             <a:avLst/>
@@ -16067,7 +16067,7 @@
         <p:spPr>
           <a:xfrm>
             <a:off x="5097600" y="360"/>
-            <a:ext cx="4379400" cy="5143680"/>
+            <a:ext cx="4379040" cy="5143320"/>
           </a:xfrm>
           <a:prstGeom prst="roundRect">
             <a:avLst>
@@ -16132,8 +16132,8 @@
         </p:nvSpPr>
         <p:spPr>
           <a:xfrm rot="2744400">
-            <a:off x="-280800" y="-25560"/>
-            <a:ext cx="704160" cy="703800"/>
+            <a:off x="-280080" y="-25560"/>
+            <a:ext cx="703800" cy="703440"/>
           </a:xfrm>
           <a:prstGeom prst="roundRect">
             <a:avLst>
@@ -16170,8 +16170,8 @@
         </p:nvSpPr>
         <p:spPr>
           <a:xfrm rot="2625600">
-            <a:off x="4861080" y="4146840"/>
-            <a:ext cx="468000" cy="468000"/>
+            <a:off x="4861080" y="4146480"/>
+            <a:ext cx="467640" cy="467640"/>
           </a:xfrm>
           <a:prstGeom prst="roundRect">
             <a:avLst>
@@ -16245,8 +16245,8 @@
         </p:nvSpPr>
         <p:spPr>
           <a:xfrm rot="2744400">
-            <a:off x="-280800" y="-25560"/>
-            <a:ext cx="704160" cy="703800"/>
+            <a:off x="-280080" y="-25560"/>
+            <a:ext cx="703800" cy="703440"/>
           </a:xfrm>
           <a:prstGeom prst="roundRect">
             <a:avLst>
@@ -16284,7 +16284,7 @@
         <p:spPr>
           <a:xfrm>
             <a:off x="569160" y="1888920"/>
-            <a:ext cx="4820760" cy="820800"/>
+            <a:ext cx="4820400" cy="820800"/>
           </a:xfrm>
           <a:prstGeom prst="rect">
             <a:avLst/>
@@ -16335,8 +16335,8 @@
         </p:nvSpPr>
         <p:spPr>
           <a:xfrm rot="18679800">
-            <a:off x="6782040" y="457560"/>
-            <a:ext cx="6250320" cy="4665960"/>
+            <a:off x="6782040" y="457920"/>
+            <a:ext cx="6249960" cy="4665600"/>
           </a:xfrm>
           <a:prstGeom prst="roundRect">
             <a:avLst>
@@ -16373,8 +16373,8 @@
         </p:nvSpPr>
         <p:spPr>
           <a:xfrm rot="2625600">
-            <a:off x="6024960" y="4332960"/>
-            <a:ext cx="468000" cy="468000"/>
+            <a:off x="6024960" y="4332600"/>
+            <a:ext cx="467640" cy="467640"/>
           </a:xfrm>
           <a:prstGeom prst="roundRect">
             <a:avLst>
@@ -16412,7 +16412,7 @@
         <p:spPr>
           <a:xfrm>
             <a:off x="1640880" y="4592880"/>
-            <a:ext cx="2995200" cy="266040"/>
+            <a:ext cx="2994840" cy="265680"/>
           </a:xfrm>
           <a:prstGeom prst="rect">
             <a:avLst/>
@@ -16474,7 +16474,7 @@
         <p:spPr>
           <a:xfrm>
             <a:off x="867240" y="3590280"/>
-            <a:ext cx="253080" cy="253440"/>
+            <a:ext cx="252720" cy="253080"/>
           </a:xfrm>
           <a:prstGeom prst="ellipse">
             <a:avLst/>
@@ -16509,7 +16509,7 @@
         <p:spPr>
           <a:xfrm>
             <a:off x="351000" y="3793320"/>
-            <a:ext cx="1285560" cy="1131120"/>
+            <a:ext cx="1285200" cy="1130760"/>
           </a:xfrm>
           <a:prstGeom prst="rect">
             <a:avLst/>
@@ -16565,7 +16565,7 @@
         <p:spPr>
           <a:xfrm>
             <a:off x="4222080" y="1246680"/>
-            <a:ext cx="4114800" cy="3599640"/>
+            <a:ext cx="4114440" cy="3599280"/>
           </a:xfrm>
           <a:prstGeom prst="rect">
             <a:avLst/>
@@ -16616,8 +16616,8 @@
         </p:nvSpPr>
         <p:spPr>
           <a:xfrm rot="16200000">
-            <a:off x="-2181600" y="1733760"/>
-            <a:ext cx="5143680" cy="1683720"/>
+            <a:off x="-2181600" y="1734120"/>
+            <a:ext cx="5143320" cy="1683360"/>
           </a:xfrm>
           <a:prstGeom prst="roundRect">
             <a:avLst>
@@ -16655,7 +16655,7 @@
         <p:spPr>
           <a:xfrm rot="2745000">
             <a:off x="8575200" y="103320"/>
-            <a:ext cx="1132200" cy="1131840"/>
+            <a:ext cx="1131840" cy="1131480"/>
           </a:xfrm>
           <a:prstGeom prst="roundRect">
             <a:avLst>
@@ -16692,8 +16692,8 @@
         </p:nvSpPr>
         <p:spPr>
           <a:xfrm rot="16200000">
-            <a:off x="614880" y="919080"/>
-            <a:ext cx="3231720" cy="3313440"/>
+            <a:off x="614880" y="919440"/>
+            <a:ext cx="3231360" cy="3313080"/>
           </a:xfrm>
           <a:prstGeom prst="roundRect">
             <a:avLst>
@@ -16759,7 +16759,7 @@
         <p:spPr>
           <a:xfrm>
             <a:off x="4214160" y="456120"/>
-            <a:ext cx="4111560" cy="855000"/>
+            <a:ext cx="4111200" cy="854640"/>
           </a:xfrm>
           <a:prstGeom prst="rect">
             <a:avLst/>
@@ -16847,8 +16847,8 @@
         </p:nvSpPr>
         <p:spPr>
           <a:xfrm rot="2744400">
-            <a:off x="-280800" y="-25560"/>
-            <a:ext cx="704160" cy="703800"/>
+            <a:off x="-280080" y="-25560"/>
+            <a:ext cx="703800" cy="703440"/>
           </a:xfrm>
           <a:prstGeom prst="roundRect">
             <a:avLst>
@@ -16885,8 +16885,8 @@
         </p:nvSpPr>
         <p:spPr>
           <a:xfrm rot="2332200">
-            <a:off x="6009480" y="-319680"/>
-            <a:ext cx="4855320" cy="7726320"/>
+            <a:off x="6009120" y="-319680"/>
+            <a:ext cx="4854960" cy="7725960"/>
           </a:xfrm>
           <a:prstGeom prst="roundRect">
             <a:avLst>
@@ -16924,9 +16924,9 @@
         <p:grpSpPr>
           <a:xfrm>
             <a:off x="4571640" y="828000"/>
-            <a:ext cx="4467960" cy="3564000"/>
+            <a:ext cx="4467600" cy="3563640"/>
             <a:chOff x="4571640" y="828000"/>
-            <a:chExt cx="4467960" cy="3564000"/>
+            <a:chExt cx="4467600" cy="3563640"/>
           </a:xfrm>
         </p:grpSpPr>
         <p:pic>
@@ -16942,7 +16942,7 @@
           <p:spPr>
             <a:xfrm>
               <a:off x="4571640" y="828000"/>
-              <a:ext cx="4467960" cy="3564000"/>
+              <a:ext cx="4467600" cy="3563640"/>
             </a:xfrm>
             <a:prstGeom prst="rect">
               <a:avLst/>
@@ -16960,8 +16960,8 @@
           </p:nvSpPr>
           <p:spPr>
             <a:xfrm rot="16200000">
-              <a:off x="5962680" y="1159200"/>
-              <a:ext cx="1737000" cy="2770920"/>
+              <a:off x="5962680" y="1159560"/>
+              <a:ext cx="1736640" cy="2770560"/>
             </a:xfrm>
             <a:prstGeom prst="roundRect">
               <a:avLst>
@@ -17028,7 +17028,7 @@
         <p:spPr>
           <a:xfrm>
             <a:off x="5446080" y="1672200"/>
-            <a:ext cx="2770560" cy="1737000"/>
+            <a:ext cx="2770200" cy="1736640"/>
           </a:xfrm>
           <a:prstGeom prst="rect">
             <a:avLst/>
@@ -17080,7 +17080,7 @@
         <p:spPr>
           <a:xfrm>
             <a:off x="586440" y="1246680"/>
-            <a:ext cx="4003920" cy="3599640"/>
+            <a:ext cx="4003560" cy="3599280"/>
           </a:xfrm>
           <a:prstGeom prst="rect">
             <a:avLst/>
@@ -17132,7 +17132,7 @@
         <p:spPr>
           <a:xfrm>
             <a:off x="586440" y="453960"/>
-            <a:ext cx="4763880" cy="855000"/>
+            <a:ext cx="4763520" cy="854640"/>
           </a:xfrm>
           <a:prstGeom prst="rect">
             <a:avLst/>
@@ -17221,7 +17221,7 @@
         <p:spPr>
           <a:xfrm rot="2745600">
             <a:off x="8349840" y="-668160"/>
-            <a:ext cx="1497960" cy="1497960"/>
+            <a:ext cx="1497600" cy="1497600"/>
           </a:xfrm>
           <a:prstGeom prst="roundRect">
             <a:avLst>
@@ -17259,7 +17259,7 @@
         <p:spPr>
           <a:xfrm rot="2745600">
             <a:off x="7634160" y="-322200"/>
-            <a:ext cx="806760" cy="807120"/>
+            <a:ext cx="806400" cy="806760"/>
           </a:xfrm>
           <a:prstGeom prst="roundRect">
             <a:avLst>
@@ -17298,7 +17298,7 @@
         <p:spPr>
           <a:xfrm>
             <a:off x="586440" y="899640"/>
-            <a:ext cx="7931520" cy="1536840"/>
+            <a:ext cx="7931160" cy="1536480"/>
           </a:xfrm>
           <a:prstGeom prst="rect">
             <a:avLst/>
@@ -17350,7 +17350,7 @@
         <p:spPr>
           <a:xfrm>
             <a:off x="608040" y="2545560"/>
-            <a:ext cx="3711960" cy="2255400"/>
+            <a:ext cx="3711600" cy="2255040"/>
           </a:xfrm>
           <a:prstGeom prst="rect">
             <a:avLst/>
@@ -17402,7 +17402,7 @@
         <p:spPr>
           <a:xfrm>
             <a:off x="4806360" y="2545560"/>
-            <a:ext cx="3711960" cy="2255400"/>
+            <a:ext cx="3711600" cy="2255040"/>
           </a:xfrm>
           <a:prstGeom prst="rect">
             <a:avLst/>
@@ -17454,7 +17454,7 @@
         <p:spPr>
           <a:xfrm>
             <a:off x="583200" y="450720"/>
-            <a:ext cx="7197840" cy="511920"/>
+            <a:ext cx="7197480" cy="511560"/>
           </a:xfrm>
           <a:prstGeom prst="rect">
             <a:avLst/>
@@ -17536,7 +17536,7 @@
         <p:spPr>
           <a:xfrm>
             <a:off x="586440" y="1246680"/>
-            <a:ext cx="4003920" cy="3599640"/>
+            <a:ext cx="4003560" cy="3599280"/>
           </a:xfrm>
           <a:prstGeom prst="rect">
             <a:avLst/>
@@ -17588,7 +17588,7 @@
         <p:spPr>
           <a:xfrm>
             <a:off x="559800" y="446040"/>
-            <a:ext cx="4283280" cy="683280"/>
+            <a:ext cx="4282920" cy="682920"/>
           </a:xfrm>
           <a:prstGeom prst="rect">
             <a:avLst/>
@@ -17640,7 +17640,7 @@
         <p:spPr>
           <a:xfrm>
             <a:off x="5097600" y="360"/>
-            <a:ext cx="4379400" cy="5143680"/>
+            <a:ext cx="4379040" cy="5143320"/>
           </a:xfrm>
           <a:prstGeom prst="roundRect">
             <a:avLst>
@@ -17705,8 +17705,8 @@
         </p:nvSpPr>
         <p:spPr>
           <a:xfrm rot="2744400">
-            <a:off x="-280800" y="-25560"/>
-            <a:ext cx="704160" cy="703800"/>
+            <a:off x="-280080" y="-25560"/>
+            <a:ext cx="703800" cy="703440"/>
           </a:xfrm>
           <a:prstGeom prst="roundRect">
             <a:avLst>
@@ -17743,8 +17743,8 @@
         </p:nvSpPr>
         <p:spPr>
           <a:xfrm rot="2625600">
-            <a:off x="4861080" y="4146840"/>
-            <a:ext cx="468000" cy="468000"/>
+            <a:off x="4861080" y="4146480"/>
+            <a:ext cx="467640" cy="467640"/>
           </a:xfrm>
           <a:prstGeom prst="roundRect">
             <a:avLst>
@@ -17818,8 +17818,8 @@
         </p:nvSpPr>
         <p:spPr>
           <a:xfrm rot="2744400">
-            <a:off x="-349920" y="4539960"/>
-            <a:ext cx="704160" cy="703800"/>
+            <a:off x="-349200" y="4539600"/>
+            <a:ext cx="703800" cy="703440"/>
           </a:xfrm>
           <a:prstGeom prst="roundRect">
             <a:avLst>
@@ -17856,8 +17856,8 @@
         </p:nvSpPr>
         <p:spPr>
           <a:xfrm rot="19228200">
-            <a:off x="5846040" y="-2266200"/>
-            <a:ext cx="4854960" cy="7725960"/>
+            <a:off x="5845680" y="-2265840"/>
+            <a:ext cx="4854600" cy="7725600"/>
           </a:xfrm>
           <a:prstGeom prst="roundRect">
             <a:avLst>
@@ -17895,9 +17895,9 @@
         <p:grpSpPr>
           <a:xfrm>
             <a:off x="4571640" y="828000"/>
-            <a:ext cx="4467960" cy="3564000"/>
+            <a:ext cx="4467600" cy="3563640"/>
             <a:chOff x="4571640" y="828000"/>
-            <a:chExt cx="4467960" cy="3564000"/>
+            <a:chExt cx="4467600" cy="3563640"/>
           </a:xfrm>
         </p:grpSpPr>
         <p:pic>
@@ -17913,7 +17913,7 @@
           <p:spPr>
             <a:xfrm>
               <a:off x="4571640" y="828000"/>
-              <a:ext cx="4467960" cy="3564000"/>
+              <a:ext cx="4467600" cy="3563640"/>
             </a:xfrm>
             <a:prstGeom prst="rect">
               <a:avLst/>
@@ -17931,8 +17931,8 @@
           </p:nvSpPr>
           <p:spPr>
             <a:xfrm rot="16200000">
-              <a:off x="5962680" y="1159200"/>
-              <a:ext cx="1737000" cy="2770920"/>
+              <a:off x="5962680" y="1159560"/>
+              <a:ext cx="1736640" cy="2770560"/>
             </a:xfrm>
             <a:prstGeom prst="roundRect">
               <a:avLst>
@@ -17999,7 +17999,7 @@
         <p:spPr>
           <a:xfrm>
             <a:off x="586440" y="1246680"/>
-            <a:ext cx="4003920" cy="3599640"/>
+            <a:ext cx="4003560" cy="3599280"/>
           </a:xfrm>
           <a:prstGeom prst="rect">
             <a:avLst/>
@@ -18051,7 +18051,7 @@
         <p:spPr>
           <a:xfrm>
             <a:off x="5446080" y="1672200"/>
-            <a:ext cx="2779920" cy="1737000"/>
+            <a:ext cx="2779560" cy="1736640"/>
           </a:xfrm>
           <a:prstGeom prst="rect">
             <a:avLst/>
@@ -18103,7 +18103,7 @@
         <p:spPr>
           <a:xfrm>
             <a:off x="586440" y="453960"/>
-            <a:ext cx="3696480" cy="855000"/>
+            <a:ext cx="3696120" cy="854640"/>
           </a:xfrm>
           <a:prstGeom prst="rect">
             <a:avLst/>
@@ -18192,7 +18192,7 @@
         <p:spPr>
           <a:xfrm>
             <a:off x="4222080" y="1246680"/>
-            <a:ext cx="4114800" cy="3599640"/>
+            <a:ext cx="4114440" cy="3599280"/>
           </a:xfrm>
           <a:prstGeom prst="rect">
             <a:avLst/>
@@ -18243,8 +18243,8 @@
         </p:nvSpPr>
         <p:spPr>
           <a:xfrm rot="16200000">
-            <a:off x="-2181600" y="1733760"/>
-            <a:ext cx="5143680" cy="1683720"/>
+            <a:off x="-2181600" y="1734120"/>
+            <a:ext cx="5143320" cy="1683360"/>
           </a:xfrm>
           <a:prstGeom prst="roundRect">
             <a:avLst>
@@ -18282,7 +18282,7 @@
         <p:spPr>
           <a:xfrm rot="2745000">
             <a:off x="8575200" y="103320"/>
-            <a:ext cx="1132200" cy="1131840"/>
+            <a:ext cx="1131840" cy="1131480"/>
           </a:xfrm>
           <a:prstGeom prst="roundRect">
             <a:avLst>
@@ -18319,8 +18319,8 @@
         </p:nvSpPr>
         <p:spPr>
           <a:xfrm rot="16200000">
-            <a:off x="614880" y="919080"/>
-            <a:ext cx="3231720" cy="3313440"/>
+            <a:off x="614880" y="919440"/>
+            <a:ext cx="3231360" cy="3313080"/>
           </a:xfrm>
           <a:prstGeom prst="roundRect">
             <a:avLst>
@@ -18386,7 +18386,7 @@
         <p:spPr>
           <a:xfrm>
             <a:off x="4214160" y="456120"/>
-            <a:ext cx="4111560" cy="855000"/>
+            <a:ext cx="4111200" cy="854640"/>
           </a:xfrm>
           <a:prstGeom prst="rect">
             <a:avLst/>
